--- a/Leçon chimie/LC 24/LC24-Pres-Optimisation d'un procédé chimique.pptx
+++ b/Leçon chimie/LC 24/LC24-Pres-Optimisation d'un procédé chimique.pptx
@@ -255,7 +255,7 @@
   </p:defaultTextStyle>
   <p:extLst>
     <p:ext uri="{EFAFB233-063F-42B5-8137-9DF3F51BA10A}">
-      <p15:sldGuideLst xmlns:p15="http://schemas.microsoft.com/office/powerpoint/2012/main" xmlns:p14="http://schemas.microsoft.com/office/powerpoint/2010/main" xmlns:com="http://schemas.openxmlformats.org/drawingml/2006/compatibility" xmlns:pvml="urn:schemas-microsoft-com:office:powerpoint" xmlns:v="urn:schemas-microsoft-com:vml" xmlns:o="urn:schemas-microsoft-com:office:office" xmlns:dgm="http://schemas.openxmlformats.org/drawingml/2006/diagram" xmlns:c="http://schemas.openxmlformats.org/drawingml/2006/chart" xmlns:mv="urn:schemas-microsoft-com:mac:vml" xmlns:mc="http://schemas.openxmlformats.org/markup-compatibility/2006" xmlns="">
+      <p15:sldGuideLst xmlns="" xmlns:mc="http://schemas.openxmlformats.org/markup-compatibility/2006" xmlns:mv="urn:schemas-microsoft-com:mac:vml" xmlns:c="http://schemas.openxmlformats.org/drawingml/2006/chart" xmlns:dgm="http://schemas.openxmlformats.org/drawingml/2006/diagram" xmlns:o="urn:schemas-microsoft-com:office:office" xmlns:v="urn:schemas-microsoft-com:vml" xmlns:pvml="urn:schemas-microsoft-com:office:powerpoint" xmlns:com="http://schemas.openxmlformats.org/drawingml/2006/compatibility" xmlns:p14="http://schemas.microsoft.com/office/powerpoint/2010/main" xmlns:p15="http://schemas.microsoft.com/office/powerpoint/2012/main">
         <p15:guide id="1" orient="horz" pos="1620">
           <p15:clr>
             <a:srgbClr val="A4A3A4"/>
@@ -1469,7 +1469,7 @@
           <p:cNvPr id="7" name="Connecteur droit 6">
             <a:extLst>
               <a:ext uri="{FF2B5EF4-FFF2-40B4-BE49-F238E27FC236}">
-                <a16:creationId xmlns="" xmlns:a16="http://schemas.microsoft.com/office/drawing/2014/main" id="{C9E5BD84-DC66-4CA9-B14F-F778A3BA3AF2}"/>
+                <a16:creationId xmlns:a16="http://schemas.microsoft.com/office/drawing/2014/main" xmlns="" id="{C9E5BD84-DC66-4CA9-B14F-F778A3BA3AF2}"/>
               </a:ext>
             </a:extLst>
           </p:cNvPr>
@@ -1513,7 +1513,7 @@
           <p:cNvPr id="8" name="Title Placeholder 1">
             <a:extLst>
               <a:ext uri="{FF2B5EF4-FFF2-40B4-BE49-F238E27FC236}">
-                <a16:creationId xmlns="" xmlns:a16="http://schemas.microsoft.com/office/drawing/2014/main" id="{5FE470C6-3407-4B39-9256-D7CBAE76B648}"/>
+                <a16:creationId xmlns:a16="http://schemas.microsoft.com/office/drawing/2014/main" xmlns="" id="{5FE470C6-3407-4B39-9256-D7CBAE76B648}"/>
               </a:ext>
             </a:extLst>
           </p:cNvPr>
@@ -1556,7 +1556,7 @@
           <p:cNvPr id="11" name="ZoneTexte 10">
             <a:extLst>
               <a:ext uri="{FF2B5EF4-FFF2-40B4-BE49-F238E27FC236}">
-                <a16:creationId xmlns="" xmlns:a16="http://schemas.microsoft.com/office/drawing/2014/main" id="{893E4BC1-6F4E-4747-84E8-D99E0587545F}"/>
+                <a16:creationId xmlns:a16="http://schemas.microsoft.com/office/drawing/2014/main" xmlns="" id="{893E4BC1-6F4E-4747-84E8-D99E0587545F}"/>
               </a:ext>
             </a:extLst>
           </p:cNvPr>
@@ -2058,7 +2058,7 @@
           <a:p>
             <a:fld id="{709E148A-83D8-4982-A416-989443033FB2}" type="datetime1">
               <a:rPr lang="fr-FR" smtClean="0"/>
-              <a:t>17/06/20</a:t>
+              <a:t>22/06/20</a:t>
             </a:fld>
             <a:endParaRPr lang="fr-FR"/>
           </a:p>
@@ -4504,7 +4504,7 @@
           <a:p>
             <a:fld id="{DE6FEB24-1155-4371-B688-DDAD01CF823D}" type="datetime1">
               <a:rPr lang="fr-FR" smtClean="0"/>
-              <a:t>17/06/20</a:t>
+              <a:t>22/06/20</a:t>
             </a:fld>
             <a:endParaRPr lang="fr-FR"/>
           </a:p>
@@ -7449,7 +7449,7 @@
           <p:cNvPr id="3" name="Espace réservé du numéro de diapositive 2">
             <a:extLst>
               <a:ext uri="{FF2B5EF4-FFF2-40B4-BE49-F238E27FC236}">
-                <a16:creationId xmlns="" xmlns:a16="http://schemas.microsoft.com/office/drawing/2014/main" id="{07BE5B33-1113-4998-86D9-5ED02DA1BA81}"/>
+                <a16:creationId xmlns:a16="http://schemas.microsoft.com/office/drawing/2014/main" xmlns="" id="{07BE5B33-1113-4998-86D9-5ED02DA1BA81}"/>
               </a:ext>
             </a:extLst>
           </p:cNvPr>
@@ -7478,7 +7478,7 @@
           <p:cNvPr id="4" name="Image 3">
             <a:extLst>
               <a:ext uri="{FF2B5EF4-FFF2-40B4-BE49-F238E27FC236}">
-                <a16:creationId xmlns="" xmlns:a16="http://schemas.microsoft.com/office/drawing/2014/main" id="{349FA49E-E30E-4386-AA8C-D05268A285DE}"/>
+                <a16:creationId xmlns:a16="http://schemas.microsoft.com/office/drawing/2014/main" xmlns="" id="{349FA49E-E30E-4386-AA8C-D05268A285DE}"/>
               </a:ext>
             </a:extLst>
           </p:cNvPr>
@@ -7508,7 +7508,7 @@
           <p:cNvPr id="5" name="Titre 1">
             <a:extLst>
               <a:ext uri="{FF2B5EF4-FFF2-40B4-BE49-F238E27FC236}">
-                <a16:creationId xmlns="" xmlns:a16="http://schemas.microsoft.com/office/drawing/2014/main" id="{83652AB4-1D96-4427-888A-EED57D57BF3F}"/>
+                <a16:creationId xmlns:a16="http://schemas.microsoft.com/office/drawing/2014/main" xmlns="" id="{83652AB4-1D96-4427-888A-EED57D57BF3F}"/>
               </a:ext>
             </a:extLst>
           </p:cNvPr>
@@ -7584,7 +7584,7 @@
           <p:cNvPr id="6" name="Rectangle 5">
             <a:extLst>
               <a:ext uri="{FF2B5EF4-FFF2-40B4-BE49-F238E27FC236}">
-                <a16:creationId xmlns="" xmlns:a16="http://schemas.microsoft.com/office/drawing/2014/main" id="{B14C71E6-E564-404E-B0FF-432D8B91354E}"/>
+                <a16:creationId xmlns:a16="http://schemas.microsoft.com/office/drawing/2014/main" xmlns="" id="{B14C71E6-E564-404E-B0FF-432D8B91354E}"/>
               </a:ext>
             </a:extLst>
           </p:cNvPr>
@@ -7678,7 +7678,7 @@
           <p:cNvPr id="4" name="ZoneTexte 3">
             <a:extLst>
               <a:ext uri="{FF2B5EF4-FFF2-40B4-BE49-F238E27FC236}">
-                <a16:creationId xmlns:a16="http://schemas.microsoft.com/office/drawing/2014/main" xmlns="" id="{963902FC-E428-4D29-9F49-37CB240FE6EF}"/>
+                <a16:creationId xmlns="" xmlns:a16="http://schemas.microsoft.com/office/drawing/2014/main" id="{963902FC-E428-4D29-9F49-37CB240FE6EF}"/>
               </a:ext>
             </a:extLst>
           </p:cNvPr>
@@ -7720,7 +7720,7 @@
           <p:cNvPr id="5" name="ZoneTexte 4">
             <a:extLst>
               <a:ext uri="{FF2B5EF4-FFF2-40B4-BE49-F238E27FC236}">
-                <a16:creationId xmlns:a16="http://schemas.microsoft.com/office/drawing/2014/main" xmlns="" id="{DE2AD407-FD97-46FC-89BF-2FCC0559EAC8}"/>
+                <a16:creationId xmlns="" xmlns:a16="http://schemas.microsoft.com/office/drawing/2014/main" id="{DE2AD407-FD97-46FC-89BF-2FCC0559EAC8}"/>
               </a:ext>
             </a:extLst>
           </p:cNvPr>
@@ -7762,7 +7762,7 @@
           <p:cNvPr id="6" name="ZoneTexte 5">
             <a:extLst>
               <a:ext uri="{FF2B5EF4-FFF2-40B4-BE49-F238E27FC236}">
-                <a16:creationId xmlns:a16="http://schemas.microsoft.com/office/drawing/2014/main" xmlns="" id="{EC76EBF9-8347-41A7-84C1-5DC9DBD4BECC}"/>
+                <a16:creationId xmlns="" xmlns:a16="http://schemas.microsoft.com/office/drawing/2014/main" id="{EC76EBF9-8347-41A7-84C1-5DC9DBD4BECC}"/>
               </a:ext>
             </a:extLst>
           </p:cNvPr>
@@ -7814,7 +7814,7 @@
           <p:cNvPr id="7" name="ZoneTexte 6">
             <a:extLst>
               <a:ext uri="{FF2B5EF4-FFF2-40B4-BE49-F238E27FC236}">
-                <a16:creationId xmlns:a16="http://schemas.microsoft.com/office/drawing/2014/main" xmlns="" id="{F6A11D53-48B2-4F90-89A7-6A42995510C9}"/>
+                <a16:creationId xmlns="" xmlns:a16="http://schemas.microsoft.com/office/drawing/2014/main" id="{F6A11D53-48B2-4F90-89A7-6A42995510C9}"/>
               </a:ext>
             </a:extLst>
           </p:cNvPr>
@@ -7855,7 +7855,7 @@
           <p:cNvPr id="8" name="Groupe 7">
             <a:extLst>
               <a:ext uri="{FF2B5EF4-FFF2-40B4-BE49-F238E27FC236}">
-                <a16:creationId xmlns:a16="http://schemas.microsoft.com/office/drawing/2014/main" xmlns="" id="{C6C810F8-B818-4891-926E-7DC079FC5788}"/>
+                <a16:creationId xmlns="" xmlns:a16="http://schemas.microsoft.com/office/drawing/2014/main" id="{C6C810F8-B818-4891-926E-7DC079FC5788}"/>
               </a:ext>
             </a:extLst>
           </p:cNvPr>
@@ -7875,7 +7875,7 @@
             <p:cNvPr id="9" name="ZoneTexte 8">
               <a:extLst>
                 <a:ext uri="{FF2B5EF4-FFF2-40B4-BE49-F238E27FC236}">
-                  <a16:creationId xmlns:a16="http://schemas.microsoft.com/office/drawing/2014/main" xmlns="" id="{044EB97C-0990-4898-B3DA-A666C1435853}"/>
+                  <a16:creationId xmlns="" xmlns:a16="http://schemas.microsoft.com/office/drawing/2014/main" id="{044EB97C-0990-4898-B3DA-A666C1435853}"/>
                 </a:ext>
               </a:extLst>
             </p:cNvPr>
@@ -7918,7 +7918,7 @@
             <p:cNvPr id="10" name="ZoneTexte 9">
               <a:extLst>
                 <a:ext uri="{FF2B5EF4-FFF2-40B4-BE49-F238E27FC236}">
-                  <a16:creationId xmlns:a16="http://schemas.microsoft.com/office/drawing/2014/main" xmlns="" id="{9F7C9AE7-1FDC-4110-9ADC-BCC6C4224EEE}"/>
+                  <a16:creationId xmlns="" xmlns:a16="http://schemas.microsoft.com/office/drawing/2014/main" id="{9F7C9AE7-1FDC-4110-9ADC-BCC6C4224EEE}"/>
                 </a:ext>
               </a:extLst>
             </p:cNvPr>
@@ -7961,7 +7961,7 @@
             <p:cNvPr id="11" name="ZoneTexte 10">
               <a:extLst>
                 <a:ext uri="{FF2B5EF4-FFF2-40B4-BE49-F238E27FC236}">
-                  <a16:creationId xmlns:a16="http://schemas.microsoft.com/office/drawing/2014/main" xmlns="" id="{B4B50B7B-3742-434A-9CC7-D0556FE1A380}"/>
+                  <a16:creationId xmlns="" xmlns:a16="http://schemas.microsoft.com/office/drawing/2014/main" id="{B4B50B7B-3742-434A-9CC7-D0556FE1A380}"/>
                 </a:ext>
               </a:extLst>
             </p:cNvPr>
@@ -8002,7 +8002,7 @@
             <p:cNvPr id="12" name="ZoneTexte 11">
               <a:extLst>
                 <a:ext uri="{FF2B5EF4-FFF2-40B4-BE49-F238E27FC236}">
-                  <a16:creationId xmlns:a16="http://schemas.microsoft.com/office/drawing/2014/main" xmlns="" id="{3D671276-FE8F-4DBB-A437-468341D5B886}"/>
+                  <a16:creationId xmlns="" xmlns:a16="http://schemas.microsoft.com/office/drawing/2014/main" id="{3D671276-FE8F-4DBB-A437-468341D5B886}"/>
                 </a:ext>
               </a:extLst>
             </p:cNvPr>
@@ -8050,7 +8050,7 @@
             <p:cNvPr id="13" name="ZoneTexte 12">
               <a:extLst>
                 <a:ext uri="{FF2B5EF4-FFF2-40B4-BE49-F238E27FC236}">
-                  <a16:creationId xmlns:a16="http://schemas.microsoft.com/office/drawing/2014/main" xmlns="" id="{F885655C-D046-404D-995F-275A56AD7C85}"/>
+                  <a16:creationId xmlns="" xmlns:a16="http://schemas.microsoft.com/office/drawing/2014/main" id="{F885655C-D046-404D-995F-275A56AD7C85}"/>
                 </a:ext>
               </a:extLst>
             </p:cNvPr>
@@ -8103,7 +8103,7 @@
             <p:cNvPr id="14" name="Accolade fermante 13">
               <a:extLst>
                 <a:ext uri="{FF2B5EF4-FFF2-40B4-BE49-F238E27FC236}">
-                  <a16:creationId xmlns:a16="http://schemas.microsoft.com/office/drawing/2014/main" xmlns="" id="{41D79418-6D80-48AD-918A-7E894CC99DA8}"/>
+                  <a16:creationId xmlns="" xmlns:a16="http://schemas.microsoft.com/office/drawing/2014/main" id="{41D79418-6D80-48AD-918A-7E894CC99DA8}"/>
                 </a:ext>
               </a:extLst>
             </p:cNvPr>
@@ -8155,7 +8155,7 @@
             <p:cNvPr id="15" name="ZoneTexte 14">
               <a:extLst>
                 <a:ext uri="{FF2B5EF4-FFF2-40B4-BE49-F238E27FC236}">
-                  <a16:creationId xmlns:a16="http://schemas.microsoft.com/office/drawing/2014/main" xmlns="" id="{F24CCDD5-72D5-4CFB-94F1-D44C8D3A5B63}"/>
+                  <a16:creationId xmlns="" xmlns:a16="http://schemas.microsoft.com/office/drawing/2014/main" id="{F24CCDD5-72D5-4CFB-94F1-D44C8D3A5B63}"/>
                 </a:ext>
               </a:extLst>
             </p:cNvPr>
@@ -8702,7 +8702,7 @@
           <p:cNvPr id="2" name="Titre 1">
             <a:extLst>
               <a:ext uri="{FF2B5EF4-FFF2-40B4-BE49-F238E27FC236}">
-                <a16:creationId xmlns="" xmlns:a16="http://schemas.microsoft.com/office/drawing/2014/main" id="{F9CE9D9B-A867-44BC-82B4-0A4E53A4A86A}"/>
+                <a16:creationId xmlns:a16="http://schemas.microsoft.com/office/drawing/2014/main" xmlns="" id="{F9CE9D9B-A867-44BC-82B4-0A4E53A4A86A}"/>
               </a:ext>
             </a:extLst>
           </p:cNvPr>
@@ -8735,7 +8735,7 @@
           <p:cNvPr id="3" name="Espace réservé du numéro de diapositive 2">
             <a:extLst>
               <a:ext uri="{FF2B5EF4-FFF2-40B4-BE49-F238E27FC236}">
-                <a16:creationId xmlns="" xmlns:a16="http://schemas.microsoft.com/office/drawing/2014/main" id="{C97EBD26-6E23-406E-92F4-9CD2A5A2C192}"/>
+                <a16:creationId xmlns:a16="http://schemas.microsoft.com/office/drawing/2014/main" xmlns="" id="{C97EBD26-6E23-406E-92F4-9CD2A5A2C192}"/>
               </a:ext>
             </a:extLst>
           </p:cNvPr>
@@ -8764,7 +8764,7 @@
           <p:cNvPr id="4" name="Espace réservé du contenu 6">
             <a:extLst>
               <a:ext uri="{FF2B5EF4-FFF2-40B4-BE49-F238E27FC236}">
-                <a16:creationId xmlns="" xmlns:a16="http://schemas.microsoft.com/office/drawing/2014/main" id="{A4FD4A1D-342B-4011-ABE3-9B9840B94AB2}"/>
+                <a16:creationId xmlns:a16="http://schemas.microsoft.com/office/drawing/2014/main" xmlns="" id="{A4FD4A1D-342B-4011-ABE3-9B9840B94AB2}"/>
               </a:ext>
             </a:extLst>
           </p:cNvPr>
@@ -8800,7 +8800,7 @@
           <p:cNvPr id="5" name="Rectangle 4">
             <a:extLst>
               <a:ext uri="{FF2B5EF4-FFF2-40B4-BE49-F238E27FC236}">
-                <a16:creationId xmlns="" xmlns:a16="http://schemas.microsoft.com/office/drawing/2014/main" id="{BAD90069-7467-43B2-A8C2-95B65206FCE9}"/>
+                <a16:creationId xmlns:a16="http://schemas.microsoft.com/office/drawing/2014/main" xmlns="" id="{BAD90069-7467-43B2-A8C2-95B65206FCE9}"/>
               </a:ext>
             </a:extLst>
           </p:cNvPr>
@@ -8896,7 +8896,7 @@
           <p:cNvPr id="5" name="Tableau 4">
             <a:extLst>
               <a:ext uri="{FF2B5EF4-FFF2-40B4-BE49-F238E27FC236}">
-                <a16:creationId xmlns:a16="http://schemas.microsoft.com/office/drawing/2014/main" xmlns="" id="{183DBB5C-B43A-4D61-93B1-7DE0D60E8B4A}"/>
+                <a16:creationId xmlns="" xmlns:a16="http://schemas.microsoft.com/office/drawing/2014/main" id="{183DBB5C-B43A-4D61-93B1-7DE0D60E8B4A}"/>
               </a:ext>
             </a:extLst>
           </p:cNvPr>
@@ -8925,14 +8925,14 @@
                 <a:gridCol w="1833026">
                   <a:extLst>
                     <a:ext uri="{9D8B030D-6E8A-4147-A177-3AD203B41FA5}">
-                      <a16:colId xmlns:a16="http://schemas.microsoft.com/office/drawing/2014/main" xmlns="" val="3689509279"/>
+                      <a16:colId xmlns="" xmlns:a16="http://schemas.microsoft.com/office/drawing/2014/main" val="3689509279"/>
                     </a:ext>
                   </a:extLst>
                 </a:gridCol>
                 <a:gridCol w="1833026">
                   <a:extLst>
                     <a:ext uri="{9D8B030D-6E8A-4147-A177-3AD203B41FA5}">
-                      <a16:colId xmlns:a16="http://schemas.microsoft.com/office/drawing/2014/main" xmlns="" val="2162947184"/>
+                      <a16:colId xmlns="" xmlns:a16="http://schemas.microsoft.com/office/drawing/2014/main" val="2162947184"/>
                     </a:ext>
                   </a:extLst>
                 </a:gridCol>
@@ -8977,7 +8977,7 @@
                 </a:tc>
                 <a:extLst>
                   <a:ext uri="{0D108BD9-81ED-4DB2-BD59-A6C34878D82A}">
-                    <a16:rowId xmlns:a16="http://schemas.microsoft.com/office/drawing/2014/main" xmlns="" val="762219297"/>
+                    <a16:rowId xmlns="" xmlns:a16="http://schemas.microsoft.com/office/drawing/2014/main" val="762219297"/>
                   </a:ext>
                 </a:extLst>
               </a:tr>
@@ -9024,7 +9024,7 @@
                 </a:tc>
                 <a:extLst>
                   <a:ext uri="{0D108BD9-81ED-4DB2-BD59-A6C34878D82A}">
-                    <a16:rowId xmlns:a16="http://schemas.microsoft.com/office/drawing/2014/main" xmlns="" val="2357732163"/>
+                    <a16:rowId xmlns="" xmlns:a16="http://schemas.microsoft.com/office/drawing/2014/main" val="2357732163"/>
                   </a:ext>
                 </a:extLst>
               </a:tr>
@@ -11396,7 +11396,7 @@
           <a:graphicData uri="http://schemas.openxmlformats.org/presentationml/2006/ole">
             <mc:AlternateContent xmlns:mc="http://schemas.openxmlformats.org/markup-compatibility/2006">
               <mc:Choice xmlns:v="urn:schemas-microsoft-com:vml" Requires="v">
-                <p:oleObj spid="_x0000_s8211" name="Document" r:id="rId5" imgW="5753100" imgH="1587500" progId="Word.Document.12">
+                <p:oleObj spid="_x0000_s8214" name="Document" r:id="rId5" imgW="5753100" imgH="1587500" progId="Word.Document.12">
                   <p:embed/>
                 </p:oleObj>
               </mc:Choice>
@@ -11453,7 +11453,7 @@
           <a:graphicData uri="http://schemas.openxmlformats.org/presentationml/2006/ole">
             <mc:AlternateContent xmlns:mc="http://schemas.openxmlformats.org/markup-compatibility/2006">
               <mc:Choice xmlns:v="urn:schemas-microsoft-com:vml" Requires="v">
-                <p:oleObj spid="_x0000_s8212" name="Document" r:id="rId8" imgW="5753100" imgH="1181100" progId="Word.Document.12">
+                <p:oleObj spid="_x0000_s8215" name="Document" r:id="rId8" imgW="5753100" imgH="1181100" progId="Word.Document.12">
                   <p:embed/>
                 </p:oleObj>
               </mc:Choice>
@@ -11628,7 +11628,7 @@
           <p:cNvPr id="2" name="Titre 1">
             <a:extLst>
               <a:ext uri="{FF2B5EF4-FFF2-40B4-BE49-F238E27FC236}">
-                <a16:creationId xmlns:a16="http://schemas.microsoft.com/office/drawing/2014/main" xmlns="" id="{47E40716-955D-4BA6-9FB0-D8F9D2E16DEF}"/>
+                <a16:creationId xmlns="" xmlns:a16="http://schemas.microsoft.com/office/drawing/2014/main" id="{47E40716-955D-4BA6-9FB0-D8F9D2E16DEF}"/>
               </a:ext>
             </a:extLst>
           </p:cNvPr>
@@ -11666,7 +11666,7 @@
           <p:cNvPr id="4" name="Espace réservé du numéro de diapositive 3">
             <a:extLst>
               <a:ext uri="{FF2B5EF4-FFF2-40B4-BE49-F238E27FC236}">
-                <a16:creationId xmlns:a16="http://schemas.microsoft.com/office/drawing/2014/main" xmlns="" id="{FB10B06B-7C98-4ACF-AC19-B1B6902E5CA2}"/>
+                <a16:creationId xmlns="" xmlns:a16="http://schemas.microsoft.com/office/drawing/2014/main" id="{FB10B06B-7C98-4ACF-AC19-B1B6902E5CA2}"/>
               </a:ext>
             </a:extLst>
           </p:cNvPr>
@@ -11695,7 +11695,7 @@
           <p:cNvPr id="5" name="Rectangle 4">
             <a:extLst>
               <a:ext uri="{FF2B5EF4-FFF2-40B4-BE49-F238E27FC236}">
-                <a16:creationId xmlns:a16="http://schemas.microsoft.com/office/drawing/2014/main" xmlns="" id="{BB738602-390A-4D7C-8981-4269FD038593}"/>
+                <a16:creationId xmlns="" xmlns:a16="http://schemas.microsoft.com/office/drawing/2014/main" id="{BB738602-390A-4D7C-8981-4269FD038593}"/>
               </a:ext>
             </a:extLst>
           </p:cNvPr>
@@ -11749,7 +11749,7 @@
           <p:cNvPr id="6" name="Rectangle 5">
             <a:extLst>
               <a:ext uri="{FF2B5EF4-FFF2-40B4-BE49-F238E27FC236}">
-                <a16:creationId xmlns:a16="http://schemas.microsoft.com/office/drawing/2014/main" xmlns="" id="{BBD6AD0C-34E5-447B-A2C5-55DD85762574}"/>
+                <a16:creationId xmlns="" xmlns:a16="http://schemas.microsoft.com/office/drawing/2014/main" id="{BBD6AD0C-34E5-447B-A2C5-55DD85762574}"/>
               </a:ext>
             </a:extLst>
           </p:cNvPr>
@@ -11803,7 +11803,7 @@
           <p:cNvPr id="7" name="Rectangle 6">
             <a:extLst>
               <a:ext uri="{FF2B5EF4-FFF2-40B4-BE49-F238E27FC236}">
-                <a16:creationId xmlns:a16="http://schemas.microsoft.com/office/drawing/2014/main" xmlns="" id="{EF5D2C03-6381-490C-9F50-53F5BA0E74FB}"/>
+                <a16:creationId xmlns="" xmlns:a16="http://schemas.microsoft.com/office/drawing/2014/main" id="{EF5D2C03-6381-490C-9F50-53F5BA0E74FB}"/>
               </a:ext>
             </a:extLst>
           </p:cNvPr>
@@ -11855,7 +11855,7 @@
           <p:cNvPr id="9" name="Grouper 114">
             <a:extLst>
               <a:ext uri="{FF2B5EF4-FFF2-40B4-BE49-F238E27FC236}">
-                <a16:creationId xmlns:a16="http://schemas.microsoft.com/office/drawing/2014/main" xmlns="" id="{F049E063-1BF4-40CD-B0ED-9F440AD7DBA2}"/>
+                <a16:creationId xmlns="" xmlns:a16="http://schemas.microsoft.com/office/drawing/2014/main" id="{F049E063-1BF4-40CD-B0ED-9F440AD7DBA2}"/>
               </a:ext>
             </a:extLst>
           </p:cNvPr>
@@ -11875,7 +11875,7 @@
             <p:cNvPr id="10" name="Grouper 156">
               <a:extLst>
                 <a:ext uri="{FF2B5EF4-FFF2-40B4-BE49-F238E27FC236}">
-                  <a16:creationId xmlns:a16="http://schemas.microsoft.com/office/drawing/2014/main" xmlns="" id="{F17E688D-F0CA-4ED0-BCB0-8FBD4074E87E}"/>
+                  <a16:creationId xmlns="" xmlns:a16="http://schemas.microsoft.com/office/drawing/2014/main" id="{F17E688D-F0CA-4ED0-BCB0-8FBD4074E87E}"/>
                 </a:ext>
               </a:extLst>
             </p:cNvPr>
@@ -11895,7 +11895,7 @@
               <p:cNvPr id="35" name="Rectangle 34">
                 <a:extLst>
                   <a:ext uri="{FF2B5EF4-FFF2-40B4-BE49-F238E27FC236}">
-                    <a16:creationId xmlns:a16="http://schemas.microsoft.com/office/drawing/2014/main" xmlns="" id="{7066FA82-BB96-4B0C-9782-D480280B0841}"/>
+                    <a16:creationId xmlns="" xmlns:a16="http://schemas.microsoft.com/office/drawing/2014/main" id="{7066FA82-BB96-4B0C-9782-D480280B0841}"/>
                   </a:ext>
                 </a:extLst>
               </p:cNvPr>
@@ -11960,7 +11960,7 @@
               <p:cNvPr id="36" name="Connecteur droit 35">
                 <a:extLst>
                   <a:ext uri="{FF2B5EF4-FFF2-40B4-BE49-F238E27FC236}">
-                    <a16:creationId xmlns:a16="http://schemas.microsoft.com/office/drawing/2014/main" xmlns="" id="{1903CC34-486C-450F-899E-F6AF44D7D716}"/>
+                    <a16:creationId xmlns="" xmlns:a16="http://schemas.microsoft.com/office/drawing/2014/main" id="{1903CC34-486C-450F-899E-F6AF44D7D716}"/>
                   </a:ext>
                 </a:extLst>
               </p:cNvPr>
@@ -12003,7 +12003,7 @@
             <p:cNvPr id="11" name="Grouper 160">
               <a:extLst>
                 <a:ext uri="{FF2B5EF4-FFF2-40B4-BE49-F238E27FC236}">
-                  <a16:creationId xmlns:a16="http://schemas.microsoft.com/office/drawing/2014/main" xmlns="" id="{C73C38B8-2159-4762-A00B-344D55BA98D7}"/>
+                  <a16:creationId xmlns="" xmlns:a16="http://schemas.microsoft.com/office/drawing/2014/main" id="{C73C38B8-2159-4762-A00B-344D55BA98D7}"/>
                 </a:ext>
               </a:extLst>
             </p:cNvPr>
@@ -12023,7 +12023,7 @@
               <p:cNvPr id="30" name="Connecteur droit 29">
                 <a:extLst>
                   <a:ext uri="{FF2B5EF4-FFF2-40B4-BE49-F238E27FC236}">
-                    <a16:creationId xmlns:a16="http://schemas.microsoft.com/office/drawing/2014/main" xmlns="" id="{EE0E7744-CECE-46E1-9FB3-356546232865}"/>
+                    <a16:creationId xmlns="" xmlns:a16="http://schemas.microsoft.com/office/drawing/2014/main" id="{EE0E7744-CECE-46E1-9FB3-356546232865}"/>
                   </a:ext>
                 </a:extLst>
               </p:cNvPr>
@@ -12068,7 +12068,7 @@
               <p:cNvPr id="31" name="Connecteur droit 30">
                 <a:extLst>
                   <a:ext uri="{FF2B5EF4-FFF2-40B4-BE49-F238E27FC236}">
-                    <a16:creationId xmlns:a16="http://schemas.microsoft.com/office/drawing/2014/main" xmlns="" id="{0EDC8340-62E7-46F9-B695-5C1F5CE0C765}"/>
+                    <a16:creationId xmlns="" xmlns:a16="http://schemas.microsoft.com/office/drawing/2014/main" id="{0EDC8340-62E7-46F9-B695-5C1F5CE0C765}"/>
                   </a:ext>
                 </a:extLst>
               </p:cNvPr>
@@ -12113,7 +12113,7 @@
               <p:cNvPr id="32" name="Connecteur droit 31">
                 <a:extLst>
                   <a:ext uri="{FF2B5EF4-FFF2-40B4-BE49-F238E27FC236}">
-                    <a16:creationId xmlns:a16="http://schemas.microsoft.com/office/drawing/2014/main" xmlns="" id="{D53636C4-99BE-42FC-8318-CEC91294B2DD}"/>
+                    <a16:creationId xmlns="" xmlns:a16="http://schemas.microsoft.com/office/drawing/2014/main" id="{D53636C4-99BE-42FC-8318-CEC91294B2DD}"/>
                   </a:ext>
                 </a:extLst>
               </p:cNvPr>
@@ -12158,7 +12158,7 @@
               <p:cNvPr id="33" name="Connecteur droit 32">
                 <a:extLst>
                   <a:ext uri="{FF2B5EF4-FFF2-40B4-BE49-F238E27FC236}">
-                    <a16:creationId xmlns:a16="http://schemas.microsoft.com/office/drawing/2014/main" xmlns="" id="{8DB92831-B38D-4C8B-81E0-E2C42354D4BC}"/>
+                    <a16:creationId xmlns="" xmlns:a16="http://schemas.microsoft.com/office/drawing/2014/main" id="{8DB92831-B38D-4C8B-81E0-E2C42354D4BC}"/>
                   </a:ext>
                 </a:extLst>
               </p:cNvPr>
@@ -12203,7 +12203,7 @@
               <p:cNvPr id="34" name="Connecteur droit 33">
                 <a:extLst>
                   <a:ext uri="{FF2B5EF4-FFF2-40B4-BE49-F238E27FC236}">
-                    <a16:creationId xmlns:a16="http://schemas.microsoft.com/office/drawing/2014/main" xmlns="" id="{EE56CDC2-F25A-4996-9569-275D453651B8}"/>
+                    <a16:creationId xmlns="" xmlns:a16="http://schemas.microsoft.com/office/drawing/2014/main" id="{EE56CDC2-F25A-4996-9569-275D453651B8}"/>
                   </a:ext>
                 </a:extLst>
               </p:cNvPr>
@@ -12249,7 +12249,7 @@
             <p:cNvPr id="12" name="Grouper 166">
               <a:extLst>
                 <a:ext uri="{FF2B5EF4-FFF2-40B4-BE49-F238E27FC236}">
-                  <a16:creationId xmlns:a16="http://schemas.microsoft.com/office/drawing/2014/main" xmlns="" id="{6D5F202D-6BC8-4D4D-8CD9-E8D47996FC1D}"/>
+                  <a16:creationId xmlns="" xmlns:a16="http://schemas.microsoft.com/office/drawing/2014/main" id="{6D5F202D-6BC8-4D4D-8CD9-E8D47996FC1D}"/>
                 </a:ext>
               </a:extLst>
             </p:cNvPr>
@@ -12269,7 +12269,7 @@
               <p:cNvPr id="25" name="Connecteur droit 24">
                 <a:extLst>
                   <a:ext uri="{FF2B5EF4-FFF2-40B4-BE49-F238E27FC236}">
-                    <a16:creationId xmlns:a16="http://schemas.microsoft.com/office/drawing/2014/main" xmlns="" id="{7905A172-B30D-48A1-8958-EBED79C301C1}"/>
+                    <a16:creationId xmlns="" xmlns:a16="http://schemas.microsoft.com/office/drawing/2014/main" id="{7905A172-B30D-48A1-8958-EBED79C301C1}"/>
                   </a:ext>
                 </a:extLst>
               </p:cNvPr>
@@ -12314,7 +12314,7 @@
               <p:cNvPr id="26" name="Connecteur droit 25">
                 <a:extLst>
                   <a:ext uri="{FF2B5EF4-FFF2-40B4-BE49-F238E27FC236}">
-                    <a16:creationId xmlns:a16="http://schemas.microsoft.com/office/drawing/2014/main" xmlns="" id="{AF70C68A-257F-421D-9A39-E49DF3BDA02A}"/>
+                    <a16:creationId xmlns="" xmlns:a16="http://schemas.microsoft.com/office/drawing/2014/main" id="{AF70C68A-257F-421D-9A39-E49DF3BDA02A}"/>
                   </a:ext>
                 </a:extLst>
               </p:cNvPr>
@@ -12356,7 +12356,7 @@
               <p:cNvPr id="27" name="Connecteur droit 26">
                 <a:extLst>
                   <a:ext uri="{FF2B5EF4-FFF2-40B4-BE49-F238E27FC236}">
-                    <a16:creationId xmlns:a16="http://schemas.microsoft.com/office/drawing/2014/main" xmlns="" id="{DAEE1844-4E14-4696-9015-6E56DC43050B}"/>
+                    <a16:creationId xmlns="" xmlns:a16="http://schemas.microsoft.com/office/drawing/2014/main" id="{DAEE1844-4E14-4696-9015-6E56DC43050B}"/>
                   </a:ext>
                 </a:extLst>
               </p:cNvPr>
@@ -12401,7 +12401,7 @@
               <p:cNvPr id="28" name="Connecteur droit 27">
                 <a:extLst>
                   <a:ext uri="{FF2B5EF4-FFF2-40B4-BE49-F238E27FC236}">
-                    <a16:creationId xmlns:a16="http://schemas.microsoft.com/office/drawing/2014/main" xmlns="" id="{61E82A76-78C0-4D15-BD5B-64B95DC095E0}"/>
+                    <a16:creationId xmlns="" xmlns:a16="http://schemas.microsoft.com/office/drawing/2014/main" id="{61E82A76-78C0-4D15-BD5B-64B95DC095E0}"/>
                   </a:ext>
                 </a:extLst>
               </p:cNvPr>
@@ -12446,7 +12446,7 @@
               <p:cNvPr id="29" name="Connecteur droit 28">
                 <a:extLst>
                   <a:ext uri="{FF2B5EF4-FFF2-40B4-BE49-F238E27FC236}">
-                    <a16:creationId xmlns:a16="http://schemas.microsoft.com/office/drawing/2014/main" xmlns="" id="{B8DE3075-B35D-4C17-88A0-4DEEC6C5961B}"/>
+                    <a16:creationId xmlns="" xmlns:a16="http://schemas.microsoft.com/office/drawing/2014/main" id="{B8DE3075-B35D-4C17-88A0-4DEEC6C5961B}"/>
                   </a:ext>
                 </a:extLst>
               </p:cNvPr>
@@ -12492,7 +12492,7 @@
             <p:cNvPr id="13" name="Grouper 172">
               <a:extLst>
                 <a:ext uri="{FF2B5EF4-FFF2-40B4-BE49-F238E27FC236}">
-                  <a16:creationId xmlns:a16="http://schemas.microsoft.com/office/drawing/2014/main" xmlns="" id="{F98883FD-7AD4-40B3-8339-6A0B001CA1C5}"/>
+                  <a16:creationId xmlns="" xmlns:a16="http://schemas.microsoft.com/office/drawing/2014/main" id="{F98883FD-7AD4-40B3-8339-6A0B001CA1C5}"/>
                 </a:ext>
               </a:extLst>
             </p:cNvPr>
@@ -12512,7 +12512,7 @@
               <p:cNvPr id="20" name="Connecteur droit 19">
                 <a:extLst>
                   <a:ext uri="{FF2B5EF4-FFF2-40B4-BE49-F238E27FC236}">
-                    <a16:creationId xmlns:a16="http://schemas.microsoft.com/office/drawing/2014/main" xmlns="" id="{83248CC4-541A-4ACF-8C6C-1E1B8B4132CC}"/>
+                    <a16:creationId xmlns="" xmlns:a16="http://schemas.microsoft.com/office/drawing/2014/main" id="{83248CC4-541A-4ACF-8C6C-1E1B8B4132CC}"/>
                   </a:ext>
                 </a:extLst>
               </p:cNvPr>
@@ -12557,7 +12557,7 @@
               <p:cNvPr id="21" name="Connecteur droit 20">
                 <a:extLst>
                   <a:ext uri="{FF2B5EF4-FFF2-40B4-BE49-F238E27FC236}">
-                    <a16:creationId xmlns:a16="http://schemas.microsoft.com/office/drawing/2014/main" xmlns="" id="{A13F8D1C-F29F-4A70-8310-37902F08AE5E}"/>
+                    <a16:creationId xmlns="" xmlns:a16="http://schemas.microsoft.com/office/drawing/2014/main" id="{A13F8D1C-F29F-4A70-8310-37902F08AE5E}"/>
                   </a:ext>
                 </a:extLst>
               </p:cNvPr>
@@ -12602,7 +12602,7 @@
               <p:cNvPr id="22" name="Connecteur droit 21">
                 <a:extLst>
                   <a:ext uri="{FF2B5EF4-FFF2-40B4-BE49-F238E27FC236}">
-                    <a16:creationId xmlns:a16="http://schemas.microsoft.com/office/drawing/2014/main" xmlns="" id="{1D392689-F1BD-4055-B6B5-B62E97631B60}"/>
+                    <a16:creationId xmlns="" xmlns:a16="http://schemas.microsoft.com/office/drawing/2014/main" id="{1D392689-F1BD-4055-B6B5-B62E97631B60}"/>
                   </a:ext>
                 </a:extLst>
               </p:cNvPr>
@@ -12647,7 +12647,7 @@
               <p:cNvPr id="23" name="Connecteur droit 22">
                 <a:extLst>
                   <a:ext uri="{FF2B5EF4-FFF2-40B4-BE49-F238E27FC236}">
-                    <a16:creationId xmlns:a16="http://schemas.microsoft.com/office/drawing/2014/main" xmlns="" id="{EEFC7F65-C590-4286-952B-21DA438CEBE7}"/>
+                    <a16:creationId xmlns="" xmlns:a16="http://schemas.microsoft.com/office/drawing/2014/main" id="{EEFC7F65-C590-4286-952B-21DA438CEBE7}"/>
                   </a:ext>
                 </a:extLst>
               </p:cNvPr>
@@ -12692,7 +12692,7 @@
               <p:cNvPr id="24" name="Connecteur droit 23">
                 <a:extLst>
                   <a:ext uri="{FF2B5EF4-FFF2-40B4-BE49-F238E27FC236}">
-                    <a16:creationId xmlns:a16="http://schemas.microsoft.com/office/drawing/2014/main" xmlns="" id="{E17F7920-8F36-45CB-9F82-078DCEF292DD}"/>
+                    <a16:creationId xmlns="" xmlns:a16="http://schemas.microsoft.com/office/drawing/2014/main" id="{E17F7920-8F36-45CB-9F82-078DCEF292DD}"/>
                   </a:ext>
                 </a:extLst>
               </p:cNvPr>
@@ -12738,7 +12738,7 @@
             <p:cNvPr id="14" name="Grouper 178">
               <a:extLst>
                 <a:ext uri="{FF2B5EF4-FFF2-40B4-BE49-F238E27FC236}">
-                  <a16:creationId xmlns:a16="http://schemas.microsoft.com/office/drawing/2014/main" xmlns="" id="{85AAC06F-D3B3-4452-B9B0-F3A282D4B6C1}"/>
+                  <a16:creationId xmlns="" xmlns:a16="http://schemas.microsoft.com/office/drawing/2014/main" id="{85AAC06F-D3B3-4452-B9B0-F3A282D4B6C1}"/>
                 </a:ext>
               </a:extLst>
             </p:cNvPr>
@@ -12758,7 +12758,7 @@
               <p:cNvPr id="15" name="Connecteur droit 14">
                 <a:extLst>
                   <a:ext uri="{FF2B5EF4-FFF2-40B4-BE49-F238E27FC236}">
-                    <a16:creationId xmlns:a16="http://schemas.microsoft.com/office/drawing/2014/main" xmlns="" id="{8CE54C53-5165-4311-966E-9A92837BFF60}"/>
+                    <a16:creationId xmlns="" xmlns:a16="http://schemas.microsoft.com/office/drawing/2014/main" id="{8CE54C53-5165-4311-966E-9A92837BFF60}"/>
                   </a:ext>
                 </a:extLst>
               </p:cNvPr>
@@ -12803,7 +12803,7 @@
               <p:cNvPr id="16" name="Connecteur droit 15">
                 <a:extLst>
                   <a:ext uri="{FF2B5EF4-FFF2-40B4-BE49-F238E27FC236}">
-                    <a16:creationId xmlns:a16="http://schemas.microsoft.com/office/drawing/2014/main" xmlns="" id="{83237CFA-2347-43F1-99DE-C293D274DDC3}"/>
+                    <a16:creationId xmlns="" xmlns:a16="http://schemas.microsoft.com/office/drawing/2014/main" id="{83237CFA-2347-43F1-99DE-C293D274DDC3}"/>
                   </a:ext>
                 </a:extLst>
               </p:cNvPr>
@@ -12848,7 +12848,7 @@
               <p:cNvPr id="17" name="Connecteur droit 16">
                 <a:extLst>
                   <a:ext uri="{FF2B5EF4-FFF2-40B4-BE49-F238E27FC236}">
-                    <a16:creationId xmlns:a16="http://schemas.microsoft.com/office/drawing/2014/main" xmlns="" id="{45D595B8-8B8B-43A5-9EE8-B85A4C68A014}"/>
+                    <a16:creationId xmlns="" xmlns:a16="http://schemas.microsoft.com/office/drawing/2014/main" id="{45D595B8-8B8B-43A5-9EE8-B85A4C68A014}"/>
                   </a:ext>
                 </a:extLst>
               </p:cNvPr>
@@ -12893,7 +12893,7 @@
               <p:cNvPr id="18" name="Connecteur droit 17">
                 <a:extLst>
                   <a:ext uri="{FF2B5EF4-FFF2-40B4-BE49-F238E27FC236}">
-                    <a16:creationId xmlns:a16="http://schemas.microsoft.com/office/drawing/2014/main" xmlns="" id="{62390EEE-5894-4FC4-962F-EECF8AFC270D}"/>
+                    <a16:creationId xmlns="" xmlns:a16="http://schemas.microsoft.com/office/drawing/2014/main" id="{62390EEE-5894-4FC4-962F-EECF8AFC270D}"/>
                   </a:ext>
                 </a:extLst>
               </p:cNvPr>
@@ -12938,7 +12938,7 @@
               <p:cNvPr id="19" name="Connecteur droit 18">
                 <a:extLst>
                   <a:ext uri="{FF2B5EF4-FFF2-40B4-BE49-F238E27FC236}">
-                    <a16:creationId xmlns:a16="http://schemas.microsoft.com/office/drawing/2014/main" xmlns="" id="{F7B7E6BA-61D8-4B60-ABCB-38E6CE3DAA74}"/>
+                    <a16:creationId xmlns="" xmlns:a16="http://schemas.microsoft.com/office/drawing/2014/main" id="{F7B7E6BA-61D8-4B60-ABCB-38E6CE3DAA74}"/>
                   </a:ext>
                 </a:extLst>
               </p:cNvPr>
@@ -12985,7 +12985,7 @@
           <p:cNvPr id="37" name="Grouper 114">
             <a:extLst>
               <a:ext uri="{FF2B5EF4-FFF2-40B4-BE49-F238E27FC236}">
-                <a16:creationId xmlns:a16="http://schemas.microsoft.com/office/drawing/2014/main" xmlns="" id="{CD2D93A9-5ED9-403B-A351-4A55DE1299D9}"/>
+                <a16:creationId xmlns="" xmlns:a16="http://schemas.microsoft.com/office/drawing/2014/main" id="{CD2D93A9-5ED9-403B-A351-4A55DE1299D9}"/>
               </a:ext>
             </a:extLst>
           </p:cNvPr>
@@ -13005,7 +13005,7 @@
             <p:cNvPr id="38" name="Grouper 156">
               <a:extLst>
                 <a:ext uri="{FF2B5EF4-FFF2-40B4-BE49-F238E27FC236}">
-                  <a16:creationId xmlns:a16="http://schemas.microsoft.com/office/drawing/2014/main" xmlns="" id="{8C6DF750-1CE6-4447-A2F9-59F8F8BC5F06}"/>
+                  <a16:creationId xmlns="" xmlns:a16="http://schemas.microsoft.com/office/drawing/2014/main" id="{8C6DF750-1CE6-4447-A2F9-59F8F8BC5F06}"/>
                 </a:ext>
               </a:extLst>
             </p:cNvPr>
@@ -13025,7 +13025,7 @@
               <p:cNvPr id="63" name="Rectangle 62">
                 <a:extLst>
                   <a:ext uri="{FF2B5EF4-FFF2-40B4-BE49-F238E27FC236}">
-                    <a16:creationId xmlns:a16="http://schemas.microsoft.com/office/drawing/2014/main" xmlns="" id="{CE7194A9-598A-4270-A0D1-F5143FA64661}"/>
+                    <a16:creationId xmlns="" xmlns:a16="http://schemas.microsoft.com/office/drawing/2014/main" id="{CE7194A9-598A-4270-A0D1-F5143FA64661}"/>
                   </a:ext>
                 </a:extLst>
               </p:cNvPr>
@@ -13090,7 +13090,7 @@
               <p:cNvPr id="64" name="Connecteur droit 63">
                 <a:extLst>
                   <a:ext uri="{FF2B5EF4-FFF2-40B4-BE49-F238E27FC236}">
-                    <a16:creationId xmlns:a16="http://schemas.microsoft.com/office/drawing/2014/main" xmlns="" id="{785D9399-801A-4124-AF79-A4ED739DB250}"/>
+                    <a16:creationId xmlns="" xmlns:a16="http://schemas.microsoft.com/office/drawing/2014/main" id="{785D9399-801A-4124-AF79-A4ED739DB250}"/>
                   </a:ext>
                 </a:extLst>
               </p:cNvPr>
@@ -13133,7 +13133,7 @@
             <p:cNvPr id="39" name="Grouper 160">
               <a:extLst>
                 <a:ext uri="{FF2B5EF4-FFF2-40B4-BE49-F238E27FC236}">
-                  <a16:creationId xmlns:a16="http://schemas.microsoft.com/office/drawing/2014/main" xmlns="" id="{87AE109F-7418-4335-8984-E296AA98596A}"/>
+                  <a16:creationId xmlns="" xmlns:a16="http://schemas.microsoft.com/office/drawing/2014/main" id="{87AE109F-7418-4335-8984-E296AA98596A}"/>
                 </a:ext>
               </a:extLst>
             </p:cNvPr>
@@ -13153,7 +13153,7 @@
               <p:cNvPr id="58" name="Connecteur droit 57">
                 <a:extLst>
                   <a:ext uri="{FF2B5EF4-FFF2-40B4-BE49-F238E27FC236}">
-                    <a16:creationId xmlns:a16="http://schemas.microsoft.com/office/drawing/2014/main" xmlns="" id="{B4664E94-82F1-4C57-9125-34E2B05C3E8C}"/>
+                    <a16:creationId xmlns="" xmlns:a16="http://schemas.microsoft.com/office/drawing/2014/main" id="{B4664E94-82F1-4C57-9125-34E2B05C3E8C}"/>
                   </a:ext>
                 </a:extLst>
               </p:cNvPr>
@@ -13198,7 +13198,7 @@
               <p:cNvPr id="59" name="Connecteur droit 58">
                 <a:extLst>
                   <a:ext uri="{FF2B5EF4-FFF2-40B4-BE49-F238E27FC236}">
-                    <a16:creationId xmlns:a16="http://schemas.microsoft.com/office/drawing/2014/main" xmlns="" id="{945B8FC1-C2D9-4950-AED6-F78DBABF68D1}"/>
+                    <a16:creationId xmlns="" xmlns:a16="http://schemas.microsoft.com/office/drawing/2014/main" id="{945B8FC1-C2D9-4950-AED6-F78DBABF68D1}"/>
                   </a:ext>
                 </a:extLst>
               </p:cNvPr>
@@ -13243,7 +13243,7 @@
               <p:cNvPr id="60" name="Connecteur droit 59">
                 <a:extLst>
                   <a:ext uri="{FF2B5EF4-FFF2-40B4-BE49-F238E27FC236}">
-                    <a16:creationId xmlns:a16="http://schemas.microsoft.com/office/drawing/2014/main" xmlns="" id="{390D1A51-CA2E-4A3E-A316-A17EA77774B6}"/>
+                    <a16:creationId xmlns="" xmlns:a16="http://schemas.microsoft.com/office/drawing/2014/main" id="{390D1A51-CA2E-4A3E-A316-A17EA77774B6}"/>
                   </a:ext>
                 </a:extLst>
               </p:cNvPr>
@@ -13288,7 +13288,7 @@
               <p:cNvPr id="61" name="Connecteur droit 60">
                 <a:extLst>
                   <a:ext uri="{FF2B5EF4-FFF2-40B4-BE49-F238E27FC236}">
-                    <a16:creationId xmlns:a16="http://schemas.microsoft.com/office/drawing/2014/main" xmlns="" id="{92ED13F1-1BD9-4F08-9503-ACC151C3FE0C}"/>
+                    <a16:creationId xmlns="" xmlns:a16="http://schemas.microsoft.com/office/drawing/2014/main" id="{92ED13F1-1BD9-4F08-9503-ACC151C3FE0C}"/>
                   </a:ext>
                 </a:extLst>
               </p:cNvPr>
@@ -13333,7 +13333,7 @@
               <p:cNvPr id="62" name="Connecteur droit 61">
                 <a:extLst>
                   <a:ext uri="{FF2B5EF4-FFF2-40B4-BE49-F238E27FC236}">
-                    <a16:creationId xmlns:a16="http://schemas.microsoft.com/office/drawing/2014/main" xmlns="" id="{32C1E86D-6C38-411F-BB0E-53030829ABA6}"/>
+                    <a16:creationId xmlns="" xmlns:a16="http://schemas.microsoft.com/office/drawing/2014/main" id="{32C1E86D-6C38-411F-BB0E-53030829ABA6}"/>
                   </a:ext>
                 </a:extLst>
               </p:cNvPr>
@@ -13379,7 +13379,7 @@
             <p:cNvPr id="40" name="Grouper 166">
               <a:extLst>
                 <a:ext uri="{FF2B5EF4-FFF2-40B4-BE49-F238E27FC236}">
-                  <a16:creationId xmlns:a16="http://schemas.microsoft.com/office/drawing/2014/main" xmlns="" id="{D22E942D-2EF5-47B8-87E8-D8C7B453DF70}"/>
+                  <a16:creationId xmlns="" xmlns:a16="http://schemas.microsoft.com/office/drawing/2014/main" id="{D22E942D-2EF5-47B8-87E8-D8C7B453DF70}"/>
                 </a:ext>
               </a:extLst>
             </p:cNvPr>
@@ -13399,7 +13399,7 @@
               <p:cNvPr id="53" name="Connecteur droit 52">
                 <a:extLst>
                   <a:ext uri="{FF2B5EF4-FFF2-40B4-BE49-F238E27FC236}">
-                    <a16:creationId xmlns:a16="http://schemas.microsoft.com/office/drawing/2014/main" xmlns="" id="{8D40BDCB-9F68-4F0F-9F57-B1210F65610F}"/>
+                    <a16:creationId xmlns="" xmlns:a16="http://schemas.microsoft.com/office/drawing/2014/main" id="{8D40BDCB-9F68-4F0F-9F57-B1210F65610F}"/>
                   </a:ext>
                 </a:extLst>
               </p:cNvPr>
@@ -13444,7 +13444,7 @@
               <p:cNvPr id="54" name="Connecteur droit 53">
                 <a:extLst>
                   <a:ext uri="{FF2B5EF4-FFF2-40B4-BE49-F238E27FC236}">
-                    <a16:creationId xmlns:a16="http://schemas.microsoft.com/office/drawing/2014/main" xmlns="" id="{CC8E1078-6187-4A06-8673-53E3483FEF85}"/>
+                    <a16:creationId xmlns="" xmlns:a16="http://schemas.microsoft.com/office/drawing/2014/main" id="{CC8E1078-6187-4A06-8673-53E3483FEF85}"/>
                   </a:ext>
                 </a:extLst>
               </p:cNvPr>
@@ -13486,7 +13486,7 @@
               <p:cNvPr id="55" name="Connecteur droit 54">
                 <a:extLst>
                   <a:ext uri="{FF2B5EF4-FFF2-40B4-BE49-F238E27FC236}">
-                    <a16:creationId xmlns:a16="http://schemas.microsoft.com/office/drawing/2014/main" xmlns="" id="{92E49CE5-6754-43C9-9636-E80B8FBCE29B}"/>
+                    <a16:creationId xmlns="" xmlns:a16="http://schemas.microsoft.com/office/drawing/2014/main" id="{92E49CE5-6754-43C9-9636-E80B8FBCE29B}"/>
                   </a:ext>
                 </a:extLst>
               </p:cNvPr>
@@ -13531,7 +13531,7 @@
               <p:cNvPr id="56" name="Connecteur droit 55">
                 <a:extLst>
                   <a:ext uri="{FF2B5EF4-FFF2-40B4-BE49-F238E27FC236}">
-                    <a16:creationId xmlns:a16="http://schemas.microsoft.com/office/drawing/2014/main" xmlns="" id="{4CACA5CA-87BB-4637-9928-B38048CE19CC}"/>
+                    <a16:creationId xmlns="" xmlns:a16="http://schemas.microsoft.com/office/drawing/2014/main" id="{4CACA5CA-87BB-4637-9928-B38048CE19CC}"/>
                   </a:ext>
                 </a:extLst>
               </p:cNvPr>
@@ -13576,7 +13576,7 @@
               <p:cNvPr id="57" name="Connecteur droit 56">
                 <a:extLst>
                   <a:ext uri="{FF2B5EF4-FFF2-40B4-BE49-F238E27FC236}">
-                    <a16:creationId xmlns:a16="http://schemas.microsoft.com/office/drawing/2014/main" xmlns="" id="{EFAA50A8-C981-4AC7-92B6-564F2A71CC88}"/>
+                    <a16:creationId xmlns="" xmlns:a16="http://schemas.microsoft.com/office/drawing/2014/main" id="{EFAA50A8-C981-4AC7-92B6-564F2A71CC88}"/>
                   </a:ext>
                 </a:extLst>
               </p:cNvPr>
@@ -13622,7 +13622,7 @@
             <p:cNvPr id="41" name="Grouper 172">
               <a:extLst>
                 <a:ext uri="{FF2B5EF4-FFF2-40B4-BE49-F238E27FC236}">
-                  <a16:creationId xmlns:a16="http://schemas.microsoft.com/office/drawing/2014/main" xmlns="" id="{45D9B019-EF7F-4B50-8C35-38134AFF8F86}"/>
+                  <a16:creationId xmlns="" xmlns:a16="http://schemas.microsoft.com/office/drawing/2014/main" id="{45D9B019-EF7F-4B50-8C35-38134AFF8F86}"/>
                 </a:ext>
               </a:extLst>
             </p:cNvPr>
@@ -13642,7 +13642,7 @@
               <p:cNvPr id="48" name="Connecteur droit 47">
                 <a:extLst>
                   <a:ext uri="{FF2B5EF4-FFF2-40B4-BE49-F238E27FC236}">
-                    <a16:creationId xmlns:a16="http://schemas.microsoft.com/office/drawing/2014/main" xmlns="" id="{CA68288C-4781-4913-9516-2649BB2506C4}"/>
+                    <a16:creationId xmlns="" xmlns:a16="http://schemas.microsoft.com/office/drawing/2014/main" id="{CA68288C-4781-4913-9516-2649BB2506C4}"/>
                   </a:ext>
                 </a:extLst>
               </p:cNvPr>
@@ -13687,7 +13687,7 @@
               <p:cNvPr id="49" name="Connecteur droit 48">
                 <a:extLst>
                   <a:ext uri="{FF2B5EF4-FFF2-40B4-BE49-F238E27FC236}">
-                    <a16:creationId xmlns:a16="http://schemas.microsoft.com/office/drawing/2014/main" xmlns="" id="{3CBAC930-1636-4FCB-AEE6-2F364D66FF04}"/>
+                    <a16:creationId xmlns="" xmlns:a16="http://schemas.microsoft.com/office/drawing/2014/main" id="{3CBAC930-1636-4FCB-AEE6-2F364D66FF04}"/>
                   </a:ext>
                 </a:extLst>
               </p:cNvPr>
@@ -13732,7 +13732,7 @@
               <p:cNvPr id="50" name="Connecteur droit 49">
                 <a:extLst>
                   <a:ext uri="{FF2B5EF4-FFF2-40B4-BE49-F238E27FC236}">
-                    <a16:creationId xmlns:a16="http://schemas.microsoft.com/office/drawing/2014/main" xmlns="" id="{A1AB02F3-8831-43F5-BB11-C5E12A3150B4}"/>
+                    <a16:creationId xmlns="" xmlns:a16="http://schemas.microsoft.com/office/drawing/2014/main" id="{A1AB02F3-8831-43F5-BB11-C5E12A3150B4}"/>
                   </a:ext>
                 </a:extLst>
               </p:cNvPr>
@@ -13777,7 +13777,7 @@
               <p:cNvPr id="51" name="Connecteur droit 50">
                 <a:extLst>
                   <a:ext uri="{FF2B5EF4-FFF2-40B4-BE49-F238E27FC236}">
-                    <a16:creationId xmlns:a16="http://schemas.microsoft.com/office/drawing/2014/main" xmlns="" id="{29724030-267C-439C-9F61-C4080C433A10}"/>
+                    <a16:creationId xmlns="" xmlns:a16="http://schemas.microsoft.com/office/drawing/2014/main" id="{29724030-267C-439C-9F61-C4080C433A10}"/>
                   </a:ext>
                 </a:extLst>
               </p:cNvPr>
@@ -13822,7 +13822,7 @@
               <p:cNvPr id="52" name="Connecteur droit 51">
                 <a:extLst>
                   <a:ext uri="{FF2B5EF4-FFF2-40B4-BE49-F238E27FC236}">
-                    <a16:creationId xmlns:a16="http://schemas.microsoft.com/office/drawing/2014/main" xmlns="" id="{5DFD5E62-F2D6-436D-8BDE-F016C5D854CE}"/>
+                    <a16:creationId xmlns="" xmlns:a16="http://schemas.microsoft.com/office/drawing/2014/main" id="{5DFD5E62-F2D6-436D-8BDE-F016C5D854CE}"/>
                   </a:ext>
                 </a:extLst>
               </p:cNvPr>
@@ -13868,7 +13868,7 @@
             <p:cNvPr id="42" name="Grouper 178">
               <a:extLst>
                 <a:ext uri="{FF2B5EF4-FFF2-40B4-BE49-F238E27FC236}">
-                  <a16:creationId xmlns:a16="http://schemas.microsoft.com/office/drawing/2014/main" xmlns="" id="{AB7949E6-E173-4CC9-8794-B29AFC6458DA}"/>
+                  <a16:creationId xmlns="" xmlns:a16="http://schemas.microsoft.com/office/drawing/2014/main" id="{AB7949E6-E173-4CC9-8794-B29AFC6458DA}"/>
                 </a:ext>
               </a:extLst>
             </p:cNvPr>
@@ -13888,7 +13888,7 @@
               <p:cNvPr id="43" name="Connecteur droit 42">
                 <a:extLst>
                   <a:ext uri="{FF2B5EF4-FFF2-40B4-BE49-F238E27FC236}">
-                    <a16:creationId xmlns:a16="http://schemas.microsoft.com/office/drawing/2014/main" xmlns="" id="{01D2B013-546E-42AD-A1AC-AB40C2183D53}"/>
+                    <a16:creationId xmlns="" xmlns:a16="http://schemas.microsoft.com/office/drawing/2014/main" id="{01D2B013-546E-42AD-A1AC-AB40C2183D53}"/>
                   </a:ext>
                 </a:extLst>
               </p:cNvPr>
@@ -13933,7 +13933,7 @@
               <p:cNvPr id="44" name="Connecteur droit 43">
                 <a:extLst>
                   <a:ext uri="{FF2B5EF4-FFF2-40B4-BE49-F238E27FC236}">
-                    <a16:creationId xmlns:a16="http://schemas.microsoft.com/office/drawing/2014/main" xmlns="" id="{7F1C6406-EFC8-46E0-B1DB-DF160E6773BC}"/>
+                    <a16:creationId xmlns="" xmlns:a16="http://schemas.microsoft.com/office/drawing/2014/main" id="{7F1C6406-EFC8-46E0-B1DB-DF160E6773BC}"/>
                   </a:ext>
                 </a:extLst>
               </p:cNvPr>
@@ -13978,7 +13978,7 @@
               <p:cNvPr id="45" name="Connecteur droit 44">
                 <a:extLst>
                   <a:ext uri="{FF2B5EF4-FFF2-40B4-BE49-F238E27FC236}">
-                    <a16:creationId xmlns:a16="http://schemas.microsoft.com/office/drawing/2014/main" xmlns="" id="{3ADD724A-278D-4560-8C04-4E6A53EEFD70}"/>
+                    <a16:creationId xmlns="" xmlns:a16="http://schemas.microsoft.com/office/drawing/2014/main" id="{3ADD724A-278D-4560-8C04-4E6A53EEFD70}"/>
                   </a:ext>
                 </a:extLst>
               </p:cNvPr>
@@ -14023,7 +14023,7 @@
               <p:cNvPr id="46" name="Connecteur droit 45">
                 <a:extLst>
                   <a:ext uri="{FF2B5EF4-FFF2-40B4-BE49-F238E27FC236}">
-                    <a16:creationId xmlns:a16="http://schemas.microsoft.com/office/drawing/2014/main" xmlns="" id="{B362FE4E-6387-41F3-9390-AB31CE7EC5C6}"/>
+                    <a16:creationId xmlns="" xmlns:a16="http://schemas.microsoft.com/office/drawing/2014/main" id="{B362FE4E-6387-41F3-9390-AB31CE7EC5C6}"/>
                   </a:ext>
                 </a:extLst>
               </p:cNvPr>
@@ -14068,7 +14068,7 @@
               <p:cNvPr id="47" name="Connecteur droit 46">
                 <a:extLst>
                   <a:ext uri="{FF2B5EF4-FFF2-40B4-BE49-F238E27FC236}">
-                    <a16:creationId xmlns:a16="http://schemas.microsoft.com/office/drawing/2014/main" xmlns="" id="{1C0A9DEE-76A2-4A9E-A6EA-0E7AFD0C705B}"/>
+                    <a16:creationId xmlns="" xmlns:a16="http://schemas.microsoft.com/office/drawing/2014/main" id="{1C0A9DEE-76A2-4A9E-A6EA-0E7AFD0C705B}"/>
                   </a:ext>
                 </a:extLst>
               </p:cNvPr>
@@ -14115,7 +14115,7 @@
           <p:cNvPr id="65" name="Grouper 114">
             <a:extLst>
               <a:ext uri="{FF2B5EF4-FFF2-40B4-BE49-F238E27FC236}">
-                <a16:creationId xmlns:a16="http://schemas.microsoft.com/office/drawing/2014/main" xmlns="" id="{348F7BB8-DA61-4BA7-9FB0-FE88C5D34A18}"/>
+                <a16:creationId xmlns="" xmlns:a16="http://schemas.microsoft.com/office/drawing/2014/main" id="{348F7BB8-DA61-4BA7-9FB0-FE88C5D34A18}"/>
               </a:ext>
             </a:extLst>
           </p:cNvPr>
@@ -14135,7 +14135,7 @@
             <p:cNvPr id="66" name="Grouper 156">
               <a:extLst>
                 <a:ext uri="{FF2B5EF4-FFF2-40B4-BE49-F238E27FC236}">
-                  <a16:creationId xmlns:a16="http://schemas.microsoft.com/office/drawing/2014/main" xmlns="" id="{05A7879B-A2B7-48E9-B59A-5A6D325BFED9}"/>
+                  <a16:creationId xmlns="" xmlns:a16="http://schemas.microsoft.com/office/drawing/2014/main" id="{05A7879B-A2B7-48E9-B59A-5A6D325BFED9}"/>
                 </a:ext>
               </a:extLst>
             </p:cNvPr>
@@ -14155,7 +14155,7 @@
               <p:cNvPr id="91" name="Rectangle 90">
                 <a:extLst>
                   <a:ext uri="{FF2B5EF4-FFF2-40B4-BE49-F238E27FC236}">
-                    <a16:creationId xmlns:a16="http://schemas.microsoft.com/office/drawing/2014/main" xmlns="" id="{3861E449-791C-4935-9C03-0065E8230B33}"/>
+                    <a16:creationId xmlns="" xmlns:a16="http://schemas.microsoft.com/office/drawing/2014/main" id="{3861E449-791C-4935-9C03-0065E8230B33}"/>
                   </a:ext>
                 </a:extLst>
               </p:cNvPr>
@@ -14220,7 +14220,7 @@
               <p:cNvPr id="92" name="Connecteur droit 91">
                 <a:extLst>
                   <a:ext uri="{FF2B5EF4-FFF2-40B4-BE49-F238E27FC236}">
-                    <a16:creationId xmlns:a16="http://schemas.microsoft.com/office/drawing/2014/main" xmlns="" id="{8FF0EB5C-86D7-494D-885D-8A34263228FD}"/>
+                    <a16:creationId xmlns="" xmlns:a16="http://schemas.microsoft.com/office/drawing/2014/main" id="{8FF0EB5C-86D7-494D-885D-8A34263228FD}"/>
                   </a:ext>
                 </a:extLst>
               </p:cNvPr>
@@ -14263,7 +14263,7 @@
             <p:cNvPr id="67" name="Grouper 160">
               <a:extLst>
                 <a:ext uri="{FF2B5EF4-FFF2-40B4-BE49-F238E27FC236}">
-                  <a16:creationId xmlns:a16="http://schemas.microsoft.com/office/drawing/2014/main" xmlns="" id="{475FE4AD-0C83-48DA-9F0B-4455FB2C7C80}"/>
+                  <a16:creationId xmlns="" xmlns:a16="http://schemas.microsoft.com/office/drawing/2014/main" id="{475FE4AD-0C83-48DA-9F0B-4455FB2C7C80}"/>
                 </a:ext>
               </a:extLst>
             </p:cNvPr>
@@ -14283,7 +14283,7 @@
               <p:cNvPr id="86" name="Connecteur droit 85">
                 <a:extLst>
                   <a:ext uri="{FF2B5EF4-FFF2-40B4-BE49-F238E27FC236}">
-                    <a16:creationId xmlns:a16="http://schemas.microsoft.com/office/drawing/2014/main" xmlns="" id="{FADAD973-CAF8-470B-864A-61408555FFDD}"/>
+                    <a16:creationId xmlns="" xmlns:a16="http://schemas.microsoft.com/office/drawing/2014/main" id="{FADAD973-CAF8-470B-864A-61408555FFDD}"/>
                   </a:ext>
                 </a:extLst>
               </p:cNvPr>
@@ -14328,7 +14328,7 @@
               <p:cNvPr id="87" name="Connecteur droit 86">
                 <a:extLst>
                   <a:ext uri="{FF2B5EF4-FFF2-40B4-BE49-F238E27FC236}">
-                    <a16:creationId xmlns:a16="http://schemas.microsoft.com/office/drawing/2014/main" xmlns="" id="{F6542604-BB61-4A7A-AD0A-6CF83F2BBA2A}"/>
+                    <a16:creationId xmlns="" xmlns:a16="http://schemas.microsoft.com/office/drawing/2014/main" id="{F6542604-BB61-4A7A-AD0A-6CF83F2BBA2A}"/>
                   </a:ext>
                 </a:extLst>
               </p:cNvPr>
@@ -14373,7 +14373,7 @@
               <p:cNvPr id="88" name="Connecteur droit 87">
                 <a:extLst>
                   <a:ext uri="{FF2B5EF4-FFF2-40B4-BE49-F238E27FC236}">
-                    <a16:creationId xmlns:a16="http://schemas.microsoft.com/office/drawing/2014/main" xmlns="" id="{323079FB-78C7-488C-9DA5-5A74CE59BBBD}"/>
+                    <a16:creationId xmlns="" xmlns:a16="http://schemas.microsoft.com/office/drawing/2014/main" id="{323079FB-78C7-488C-9DA5-5A74CE59BBBD}"/>
                   </a:ext>
                 </a:extLst>
               </p:cNvPr>
@@ -14418,7 +14418,7 @@
               <p:cNvPr id="89" name="Connecteur droit 88">
                 <a:extLst>
                   <a:ext uri="{FF2B5EF4-FFF2-40B4-BE49-F238E27FC236}">
-                    <a16:creationId xmlns:a16="http://schemas.microsoft.com/office/drawing/2014/main" xmlns="" id="{443CD2ED-918A-49BB-B75E-0A47DDE0535B}"/>
+                    <a16:creationId xmlns="" xmlns:a16="http://schemas.microsoft.com/office/drawing/2014/main" id="{443CD2ED-918A-49BB-B75E-0A47DDE0535B}"/>
                   </a:ext>
                 </a:extLst>
               </p:cNvPr>
@@ -14463,7 +14463,7 @@
               <p:cNvPr id="90" name="Connecteur droit 89">
                 <a:extLst>
                   <a:ext uri="{FF2B5EF4-FFF2-40B4-BE49-F238E27FC236}">
-                    <a16:creationId xmlns:a16="http://schemas.microsoft.com/office/drawing/2014/main" xmlns="" id="{3B65F0A2-5668-4E41-ADCF-D4A8B6CD3A09}"/>
+                    <a16:creationId xmlns="" xmlns:a16="http://schemas.microsoft.com/office/drawing/2014/main" id="{3B65F0A2-5668-4E41-ADCF-D4A8B6CD3A09}"/>
                   </a:ext>
                 </a:extLst>
               </p:cNvPr>
@@ -14509,7 +14509,7 @@
             <p:cNvPr id="68" name="Grouper 166">
               <a:extLst>
                 <a:ext uri="{FF2B5EF4-FFF2-40B4-BE49-F238E27FC236}">
-                  <a16:creationId xmlns:a16="http://schemas.microsoft.com/office/drawing/2014/main" xmlns="" id="{3E18FCD8-D4F5-4605-9637-A7461B3F4CF5}"/>
+                  <a16:creationId xmlns="" xmlns:a16="http://schemas.microsoft.com/office/drawing/2014/main" id="{3E18FCD8-D4F5-4605-9637-A7461B3F4CF5}"/>
                 </a:ext>
               </a:extLst>
             </p:cNvPr>
@@ -14529,7 +14529,7 @@
               <p:cNvPr id="81" name="Connecteur droit 80">
                 <a:extLst>
                   <a:ext uri="{FF2B5EF4-FFF2-40B4-BE49-F238E27FC236}">
-                    <a16:creationId xmlns:a16="http://schemas.microsoft.com/office/drawing/2014/main" xmlns="" id="{C46CA3CB-2258-4CF5-A1CC-150911946731}"/>
+                    <a16:creationId xmlns="" xmlns:a16="http://schemas.microsoft.com/office/drawing/2014/main" id="{C46CA3CB-2258-4CF5-A1CC-150911946731}"/>
                   </a:ext>
                 </a:extLst>
               </p:cNvPr>
@@ -14574,7 +14574,7 @@
               <p:cNvPr id="82" name="Connecteur droit 81">
                 <a:extLst>
                   <a:ext uri="{FF2B5EF4-FFF2-40B4-BE49-F238E27FC236}">
-                    <a16:creationId xmlns:a16="http://schemas.microsoft.com/office/drawing/2014/main" xmlns="" id="{B8D24ABD-169F-4E4D-9494-A6D5385A7194}"/>
+                    <a16:creationId xmlns="" xmlns:a16="http://schemas.microsoft.com/office/drawing/2014/main" id="{B8D24ABD-169F-4E4D-9494-A6D5385A7194}"/>
                   </a:ext>
                 </a:extLst>
               </p:cNvPr>
@@ -14616,7 +14616,7 @@
               <p:cNvPr id="83" name="Connecteur droit 82">
                 <a:extLst>
                   <a:ext uri="{FF2B5EF4-FFF2-40B4-BE49-F238E27FC236}">
-                    <a16:creationId xmlns:a16="http://schemas.microsoft.com/office/drawing/2014/main" xmlns="" id="{C805D2BF-6B7A-480C-B3C6-B6A034A5C5D9}"/>
+                    <a16:creationId xmlns="" xmlns:a16="http://schemas.microsoft.com/office/drawing/2014/main" id="{C805D2BF-6B7A-480C-B3C6-B6A034A5C5D9}"/>
                   </a:ext>
                 </a:extLst>
               </p:cNvPr>
@@ -14661,7 +14661,7 @@
               <p:cNvPr id="84" name="Connecteur droit 83">
                 <a:extLst>
                   <a:ext uri="{FF2B5EF4-FFF2-40B4-BE49-F238E27FC236}">
-                    <a16:creationId xmlns:a16="http://schemas.microsoft.com/office/drawing/2014/main" xmlns="" id="{BA7BF6E9-9628-4CA6-8707-127DA101292A}"/>
+                    <a16:creationId xmlns="" xmlns:a16="http://schemas.microsoft.com/office/drawing/2014/main" id="{BA7BF6E9-9628-4CA6-8707-127DA101292A}"/>
                   </a:ext>
                 </a:extLst>
               </p:cNvPr>
@@ -14706,7 +14706,7 @@
               <p:cNvPr id="85" name="Connecteur droit 84">
                 <a:extLst>
                   <a:ext uri="{FF2B5EF4-FFF2-40B4-BE49-F238E27FC236}">
-                    <a16:creationId xmlns:a16="http://schemas.microsoft.com/office/drawing/2014/main" xmlns="" id="{9ADB1623-8C94-406A-843B-DE26135D915D}"/>
+                    <a16:creationId xmlns="" xmlns:a16="http://schemas.microsoft.com/office/drawing/2014/main" id="{9ADB1623-8C94-406A-843B-DE26135D915D}"/>
                   </a:ext>
                 </a:extLst>
               </p:cNvPr>
@@ -14752,7 +14752,7 @@
             <p:cNvPr id="69" name="Grouper 172">
               <a:extLst>
                 <a:ext uri="{FF2B5EF4-FFF2-40B4-BE49-F238E27FC236}">
-                  <a16:creationId xmlns:a16="http://schemas.microsoft.com/office/drawing/2014/main" xmlns="" id="{AB914DB5-63F0-45F1-961E-811C75F07EBC}"/>
+                  <a16:creationId xmlns="" xmlns:a16="http://schemas.microsoft.com/office/drawing/2014/main" id="{AB914DB5-63F0-45F1-961E-811C75F07EBC}"/>
                 </a:ext>
               </a:extLst>
             </p:cNvPr>
@@ -14772,7 +14772,7 @@
               <p:cNvPr id="76" name="Connecteur droit 75">
                 <a:extLst>
                   <a:ext uri="{FF2B5EF4-FFF2-40B4-BE49-F238E27FC236}">
-                    <a16:creationId xmlns:a16="http://schemas.microsoft.com/office/drawing/2014/main" xmlns="" id="{2D8388B5-DBF9-4E38-AEF3-AB0117935AEA}"/>
+                    <a16:creationId xmlns="" xmlns:a16="http://schemas.microsoft.com/office/drawing/2014/main" id="{2D8388B5-DBF9-4E38-AEF3-AB0117935AEA}"/>
                   </a:ext>
                 </a:extLst>
               </p:cNvPr>
@@ -14817,7 +14817,7 @@
               <p:cNvPr id="77" name="Connecteur droit 76">
                 <a:extLst>
                   <a:ext uri="{FF2B5EF4-FFF2-40B4-BE49-F238E27FC236}">
-                    <a16:creationId xmlns:a16="http://schemas.microsoft.com/office/drawing/2014/main" xmlns="" id="{A9C1BDA9-43A9-426E-8CFB-528B382D7E9A}"/>
+                    <a16:creationId xmlns="" xmlns:a16="http://schemas.microsoft.com/office/drawing/2014/main" id="{A9C1BDA9-43A9-426E-8CFB-528B382D7E9A}"/>
                   </a:ext>
                 </a:extLst>
               </p:cNvPr>
@@ -14862,7 +14862,7 @@
               <p:cNvPr id="78" name="Connecteur droit 77">
                 <a:extLst>
                   <a:ext uri="{FF2B5EF4-FFF2-40B4-BE49-F238E27FC236}">
-                    <a16:creationId xmlns:a16="http://schemas.microsoft.com/office/drawing/2014/main" xmlns="" id="{750A90DA-5CEE-4D7E-BCF3-DF27E8945667}"/>
+                    <a16:creationId xmlns="" xmlns:a16="http://schemas.microsoft.com/office/drawing/2014/main" id="{750A90DA-5CEE-4D7E-BCF3-DF27E8945667}"/>
                   </a:ext>
                 </a:extLst>
               </p:cNvPr>
@@ -14907,7 +14907,7 @@
               <p:cNvPr id="79" name="Connecteur droit 78">
                 <a:extLst>
                   <a:ext uri="{FF2B5EF4-FFF2-40B4-BE49-F238E27FC236}">
-                    <a16:creationId xmlns:a16="http://schemas.microsoft.com/office/drawing/2014/main" xmlns="" id="{8618C12F-6BA1-49FA-99E7-CA34A3BD3236}"/>
+                    <a16:creationId xmlns="" xmlns:a16="http://schemas.microsoft.com/office/drawing/2014/main" id="{8618C12F-6BA1-49FA-99E7-CA34A3BD3236}"/>
                   </a:ext>
                 </a:extLst>
               </p:cNvPr>
@@ -14952,7 +14952,7 @@
               <p:cNvPr id="80" name="Connecteur droit 79">
                 <a:extLst>
                   <a:ext uri="{FF2B5EF4-FFF2-40B4-BE49-F238E27FC236}">
-                    <a16:creationId xmlns:a16="http://schemas.microsoft.com/office/drawing/2014/main" xmlns="" id="{B85B5D87-EFEB-4CFC-8D8C-0AECE11892B4}"/>
+                    <a16:creationId xmlns="" xmlns:a16="http://schemas.microsoft.com/office/drawing/2014/main" id="{B85B5D87-EFEB-4CFC-8D8C-0AECE11892B4}"/>
                   </a:ext>
                 </a:extLst>
               </p:cNvPr>
@@ -14998,7 +14998,7 @@
             <p:cNvPr id="70" name="Grouper 178">
               <a:extLst>
                 <a:ext uri="{FF2B5EF4-FFF2-40B4-BE49-F238E27FC236}">
-                  <a16:creationId xmlns:a16="http://schemas.microsoft.com/office/drawing/2014/main" xmlns="" id="{39CAF77D-FBF9-4D6C-8509-8F1DFCCD7B68}"/>
+                  <a16:creationId xmlns="" xmlns:a16="http://schemas.microsoft.com/office/drawing/2014/main" id="{39CAF77D-FBF9-4D6C-8509-8F1DFCCD7B68}"/>
                 </a:ext>
               </a:extLst>
             </p:cNvPr>
@@ -15018,7 +15018,7 @@
               <p:cNvPr id="71" name="Connecteur droit 70">
                 <a:extLst>
                   <a:ext uri="{FF2B5EF4-FFF2-40B4-BE49-F238E27FC236}">
-                    <a16:creationId xmlns:a16="http://schemas.microsoft.com/office/drawing/2014/main" xmlns="" id="{EDC5284E-EE87-4FC3-8FF5-FF946011BD12}"/>
+                    <a16:creationId xmlns="" xmlns:a16="http://schemas.microsoft.com/office/drawing/2014/main" id="{EDC5284E-EE87-4FC3-8FF5-FF946011BD12}"/>
                   </a:ext>
                 </a:extLst>
               </p:cNvPr>
@@ -15063,7 +15063,7 @@
               <p:cNvPr id="72" name="Connecteur droit 71">
                 <a:extLst>
                   <a:ext uri="{FF2B5EF4-FFF2-40B4-BE49-F238E27FC236}">
-                    <a16:creationId xmlns:a16="http://schemas.microsoft.com/office/drawing/2014/main" xmlns="" id="{8FF609A7-7CCA-440C-8AE0-315E2ADD4CE6}"/>
+                    <a16:creationId xmlns="" xmlns:a16="http://schemas.microsoft.com/office/drawing/2014/main" id="{8FF609A7-7CCA-440C-8AE0-315E2ADD4CE6}"/>
                   </a:ext>
                 </a:extLst>
               </p:cNvPr>
@@ -15108,7 +15108,7 @@
               <p:cNvPr id="73" name="Connecteur droit 72">
                 <a:extLst>
                   <a:ext uri="{FF2B5EF4-FFF2-40B4-BE49-F238E27FC236}">
-                    <a16:creationId xmlns:a16="http://schemas.microsoft.com/office/drawing/2014/main" xmlns="" id="{44158656-1628-4880-BDA3-133972F5F364}"/>
+                    <a16:creationId xmlns="" xmlns:a16="http://schemas.microsoft.com/office/drawing/2014/main" id="{44158656-1628-4880-BDA3-133972F5F364}"/>
                   </a:ext>
                 </a:extLst>
               </p:cNvPr>
@@ -15153,7 +15153,7 @@
               <p:cNvPr id="74" name="Connecteur droit 73">
                 <a:extLst>
                   <a:ext uri="{FF2B5EF4-FFF2-40B4-BE49-F238E27FC236}">
-                    <a16:creationId xmlns:a16="http://schemas.microsoft.com/office/drawing/2014/main" xmlns="" id="{3CA1728D-E894-40D9-A8B9-667D4A17B6E6}"/>
+                    <a16:creationId xmlns="" xmlns:a16="http://schemas.microsoft.com/office/drawing/2014/main" id="{3CA1728D-E894-40D9-A8B9-667D4A17B6E6}"/>
                   </a:ext>
                 </a:extLst>
               </p:cNvPr>
@@ -15198,7 +15198,7 @@
               <p:cNvPr id="75" name="Connecteur droit 74">
                 <a:extLst>
                   <a:ext uri="{FF2B5EF4-FFF2-40B4-BE49-F238E27FC236}">
-                    <a16:creationId xmlns:a16="http://schemas.microsoft.com/office/drawing/2014/main" xmlns="" id="{9108E081-81A8-47E2-8E75-AF5B17746951}"/>
+                    <a16:creationId xmlns="" xmlns:a16="http://schemas.microsoft.com/office/drawing/2014/main" id="{9108E081-81A8-47E2-8E75-AF5B17746951}"/>
                   </a:ext>
                 </a:extLst>
               </p:cNvPr>
@@ -15245,7 +15245,7 @@
           <p:cNvPr id="93" name="Rectangle 92">
             <a:extLst>
               <a:ext uri="{FF2B5EF4-FFF2-40B4-BE49-F238E27FC236}">
-                <a16:creationId xmlns:a16="http://schemas.microsoft.com/office/drawing/2014/main" xmlns="" id="{128E8D5A-BC40-43E1-880F-C2CE81E05710}"/>
+                <a16:creationId xmlns="" xmlns:a16="http://schemas.microsoft.com/office/drawing/2014/main" id="{128E8D5A-BC40-43E1-880F-C2CE81E05710}"/>
               </a:ext>
             </a:extLst>
           </p:cNvPr>
@@ -15297,7 +15297,7 @@
           <p:cNvPr id="94" name="Rectangle 93">
             <a:extLst>
               <a:ext uri="{FF2B5EF4-FFF2-40B4-BE49-F238E27FC236}">
-                <a16:creationId xmlns:a16="http://schemas.microsoft.com/office/drawing/2014/main" xmlns="" id="{9D8F870B-4E98-4D1E-99E2-D6888F98A972}"/>
+                <a16:creationId xmlns="" xmlns:a16="http://schemas.microsoft.com/office/drawing/2014/main" id="{9D8F870B-4E98-4D1E-99E2-D6888F98A972}"/>
               </a:ext>
             </a:extLst>
           </p:cNvPr>
@@ -15349,7 +15349,7 @@
           <p:cNvPr id="95" name="Rectangle 94">
             <a:extLst>
               <a:ext uri="{FF2B5EF4-FFF2-40B4-BE49-F238E27FC236}">
-                <a16:creationId xmlns:a16="http://schemas.microsoft.com/office/drawing/2014/main" xmlns="" id="{B19954E9-707C-4E5C-89A2-666EB3E1EEA6}"/>
+                <a16:creationId xmlns="" xmlns:a16="http://schemas.microsoft.com/office/drawing/2014/main" id="{B19954E9-707C-4E5C-89A2-666EB3E1EEA6}"/>
               </a:ext>
             </a:extLst>
           </p:cNvPr>
@@ -15401,7 +15401,7 @@
           <p:cNvPr id="96" name="Rectangle 95">
             <a:extLst>
               <a:ext uri="{FF2B5EF4-FFF2-40B4-BE49-F238E27FC236}">
-                <a16:creationId xmlns:a16="http://schemas.microsoft.com/office/drawing/2014/main" xmlns="" id="{1B2CBEF4-3425-4969-A6E8-116EA38F0FBB}"/>
+                <a16:creationId xmlns="" xmlns:a16="http://schemas.microsoft.com/office/drawing/2014/main" id="{1B2CBEF4-3425-4969-A6E8-116EA38F0FBB}"/>
               </a:ext>
             </a:extLst>
           </p:cNvPr>
@@ -15453,7 +15453,7 @@
           <p:cNvPr id="97" name="Flèche : courbe vers le haut 96">
             <a:extLst>
               <a:ext uri="{FF2B5EF4-FFF2-40B4-BE49-F238E27FC236}">
-                <a16:creationId xmlns:a16="http://schemas.microsoft.com/office/drawing/2014/main" xmlns="" id="{89B013CB-3D8B-4C06-8437-4D1A6258B8E4}"/>
+                <a16:creationId xmlns="" xmlns:a16="http://schemas.microsoft.com/office/drawing/2014/main" id="{89B013CB-3D8B-4C06-8437-4D1A6258B8E4}"/>
               </a:ext>
             </a:extLst>
           </p:cNvPr>
@@ -15503,7 +15503,7 @@
           <p:cNvPr id="98" name="ZoneTexte 97">
             <a:extLst>
               <a:ext uri="{FF2B5EF4-FFF2-40B4-BE49-F238E27FC236}">
-                <a16:creationId xmlns:a16="http://schemas.microsoft.com/office/drawing/2014/main" xmlns="" id="{8D006437-DFD3-4B6A-A3E5-67D5C73BD62F}"/>
+                <a16:creationId xmlns="" xmlns:a16="http://schemas.microsoft.com/office/drawing/2014/main" id="{8D006437-DFD3-4B6A-A3E5-67D5C73BD62F}"/>
               </a:ext>
             </a:extLst>
           </p:cNvPr>
@@ -15539,7 +15539,7 @@
           <p:cNvPr id="99" name="Flèche : courbe vers le haut 98">
             <a:extLst>
               <a:ext uri="{FF2B5EF4-FFF2-40B4-BE49-F238E27FC236}">
-                <a16:creationId xmlns:a16="http://schemas.microsoft.com/office/drawing/2014/main" xmlns="" id="{D8B20FE0-F64D-430B-BFF5-46F4B85B40CB}"/>
+                <a16:creationId xmlns="" xmlns:a16="http://schemas.microsoft.com/office/drawing/2014/main" id="{D8B20FE0-F64D-430B-BFF5-46F4B85B40CB}"/>
               </a:ext>
             </a:extLst>
           </p:cNvPr>
@@ -15589,7 +15589,7 @@
           <p:cNvPr id="100" name="ZoneTexte 99">
             <a:extLst>
               <a:ext uri="{FF2B5EF4-FFF2-40B4-BE49-F238E27FC236}">
-                <a16:creationId xmlns:a16="http://schemas.microsoft.com/office/drawing/2014/main" xmlns="" id="{B0680CD1-B8F1-46D0-A477-5DD5CCE0C7D7}"/>
+                <a16:creationId xmlns="" xmlns:a16="http://schemas.microsoft.com/office/drawing/2014/main" id="{B0680CD1-B8F1-46D0-A477-5DD5CCE0C7D7}"/>
               </a:ext>
             </a:extLst>
           </p:cNvPr>
@@ -15625,7 +15625,7 @@
           <p:cNvPr id="101" name="Rectangle 100">
             <a:extLst>
               <a:ext uri="{FF2B5EF4-FFF2-40B4-BE49-F238E27FC236}">
-                <a16:creationId xmlns:a16="http://schemas.microsoft.com/office/drawing/2014/main" xmlns="" id="{76E03CD5-BAE8-4E75-80EE-B62AFD44009C}"/>
+                <a16:creationId xmlns="" xmlns:a16="http://schemas.microsoft.com/office/drawing/2014/main" id="{76E03CD5-BAE8-4E75-80EE-B62AFD44009C}"/>
               </a:ext>
             </a:extLst>
           </p:cNvPr>
@@ -15679,7 +15679,7 @@
           <p:cNvPr id="102" name="Rectangle 101">
             <a:extLst>
               <a:ext uri="{FF2B5EF4-FFF2-40B4-BE49-F238E27FC236}">
-                <a16:creationId xmlns:a16="http://schemas.microsoft.com/office/drawing/2014/main" xmlns="" id="{B90B8212-398F-429D-82EE-A0D9D9A8CE9B}"/>
+                <a16:creationId xmlns="" xmlns:a16="http://schemas.microsoft.com/office/drawing/2014/main" id="{B90B8212-398F-429D-82EE-A0D9D9A8CE9B}"/>
               </a:ext>
             </a:extLst>
           </p:cNvPr>
@@ -15733,7 +15733,7 @@
           <p:cNvPr id="103" name="Rectangle 102">
             <a:extLst>
               <a:ext uri="{FF2B5EF4-FFF2-40B4-BE49-F238E27FC236}">
-                <a16:creationId xmlns:a16="http://schemas.microsoft.com/office/drawing/2014/main" xmlns="" id="{1D102E7E-2917-4310-9E53-554295A92DC7}"/>
+                <a16:creationId xmlns="" xmlns:a16="http://schemas.microsoft.com/office/drawing/2014/main" id="{1D102E7E-2917-4310-9E53-554295A92DC7}"/>
               </a:ext>
             </a:extLst>
           </p:cNvPr>
@@ -15804,7 +15804,7 @@
           <a:graphicData uri="http://schemas.openxmlformats.org/presentationml/2006/ole">
             <mc:AlternateContent xmlns:mc="http://schemas.openxmlformats.org/markup-compatibility/2006">
               <mc:Choice xmlns:v="urn:schemas-microsoft-com:vml" Requires="v">
-                <p:oleObj spid="_x0000_s7197" name="Document" r:id="rId4" imgW="5753100" imgH="1803400" progId="Word.Document.12">
+                <p:oleObj spid="_x0000_s7200" name="Document" r:id="rId4" imgW="5753100" imgH="1803400" progId="Word.Document.12">
                   <p:embed/>
                 </p:oleObj>
               </mc:Choice>
@@ -15861,7 +15861,7 @@
           <a:graphicData uri="http://schemas.openxmlformats.org/presentationml/2006/ole">
             <mc:AlternateContent xmlns:mc="http://schemas.openxmlformats.org/markup-compatibility/2006">
               <mc:Choice xmlns:v="urn:schemas-microsoft-com:vml" Requires="v">
-                <p:oleObj spid="_x0000_s7198" name="Document" r:id="rId7" imgW="5753100" imgH="1587500" progId="Word.Document.12">
+                <p:oleObj spid="_x0000_s7201" name="Document" r:id="rId7" imgW="5753100" imgH="1587500" progId="Word.Document.12">
                   <p:embed/>
                 </p:oleObj>
               </mc:Choice>
@@ -16113,7 +16113,7 @@
           <a:graphicData uri="http://schemas.openxmlformats.org/presentationml/2006/ole">
             <mc:AlternateContent xmlns:mc="http://schemas.openxmlformats.org/markup-compatibility/2006">
               <mc:Choice xmlns:v="urn:schemas-microsoft-com:vml" Requires="v">
-                <p:oleObj spid="_x0000_s1038" name="Document" r:id="rId5" imgW="5765800" imgH="812800" progId="Word.Document.12">
+                <p:oleObj spid="_x0000_s1041" name="Document" r:id="rId5" imgW="5765800" imgH="812800" progId="Word.Document.12">
                   <p:embed/>
                 </p:oleObj>
               </mc:Choice>
@@ -16170,7 +16170,7 @@
           <a:graphicData uri="http://schemas.openxmlformats.org/presentationml/2006/ole">
             <mc:AlternateContent xmlns:mc="http://schemas.openxmlformats.org/markup-compatibility/2006">
               <mc:Choice xmlns:v="urn:schemas-microsoft-com:vml" Requires="v">
-                <p:oleObj spid="_x0000_s1039" name="Document" r:id="rId8" imgW="5765800" imgH="1257300" progId="Word.Document.12">
+                <p:oleObj spid="_x0000_s1042" name="Document" r:id="rId8" imgW="5765800" imgH="1257300" progId="Word.Document.12">
                   <p:embed/>
                 </p:oleObj>
               </mc:Choice>
@@ -18864,7 +18864,7 @@
           <p:cNvPr id="2" name="Titre 1">
             <a:extLst>
               <a:ext uri="{FF2B5EF4-FFF2-40B4-BE49-F238E27FC236}">
-                <a16:creationId xmlns:a16="http://schemas.microsoft.com/office/drawing/2014/main" xmlns="" id="{F362C895-2D91-41F6-8F9F-5350AE8096F2}"/>
+                <a16:creationId xmlns="" xmlns:a16="http://schemas.microsoft.com/office/drawing/2014/main" id="{F362C895-2D91-41F6-8F9F-5350AE8096F2}"/>
               </a:ext>
             </a:extLst>
           </p:cNvPr>
@@ -18903,7 +18903,7 @@
           <p:cNvPr id="4" name="Espace réservé du numéro de diapositive 3">
             <a:extLst>
               <a:ext uri="{FF2B5EF4-FFF2-40B4-BE49-F238E27FC236}">
-                <a16:creationId xmlns:a16="http://schemas.microsoft.com/office/drawing/2014/main" xmlns="" id="{F0C405D1-6B07-4F81-806B-1809C7E3D18B}"/>
+                <a16:creationId xmlns="" xmlns:a16="http://schemas.microsoft.com/office/drawing/2014/main" id="{F0C405D1-6B07-4F81-806B-1809C7E3D18B}"/>
               </a:ext>
             </a:extLst>
           </p:cNvPr>
@@ -19129,7 +19129,7 @@
           <a:graphicData uri="http://schemas.openxmlformats.org/presentationml/2006/ole">
             <mc:AlternateContent xmlns:mc="http://schemas.openxmlformats.org/markup-compatibility/2006">
               <mc:Choice xmlns:v="urn:schemas-microsoft-com:vml" Requires="v">
-                <p:oleObj spid="_x0000_s9226" name="Document" r:id="rId4" imgW="5905500" imgH="889000" progId="Word.Document.12">
+                <p:oleObj spid="_x0000_s9228" name="Document" r:id="rId4" imgW="5905500" imgH="889000" progId="Word.Document.12">
                   <p:embed/>
                 </p:oleObj>
               </mc:Choice>
@@ -19206,7 +19206,7 @@
           <p:cNvPr id="2" name="Titre 1">
             <a:extLst>
               <a:ext uri="{FF2B5EF4-FFF2-40B4-BE49-F238E27FC236}">
-                <a16:creationId xmlns:a16="http://schemas.microsoft.com/office/drawing/2014/main" xmlns="" id="{F362C895-2D91-41F6-8F9F-5350AE8096F2}"/>
+                <a16:creationId xmlns="" xmlns:a16="http://schemas.microsoft.com/office/drawing/2014/main" id="{F362C895-2D91-41F6-8F9F-5350AE8096F2}"/>
               </a:ext>
             </a:extLst>
           </p:cNvPr>
@@ -19245,7 +19245,7 @@
           <p:cNvPr id="4" name="Espace réservé du numéro de diapositive 3">
             <a:extLst>
               <a:ext uri="{FF2B5EF4-FFF2-40B4-BE49-F238E27FC236}">
-                <a16:creationId xmlns:a16="http://schemas.microsoft.com/office/drawing/2014/main" xmlns="" id="{F0C405D1-6B07-4F81-806B-1809C7E3D18B}"/>
+                <a16:creationId xmlns="" xmlns:a16="http://schemas.microsoft.com/office/drawing/2014/main" id="{F0C405D1-6B07-4F81-806B-1809C7E3D18B}"/>
               </a:ext>
             </a:extLst>
           </p:cNvPr>
@@ -19276,7 +19276,7 @@
               <p:cNvPr id="9" name="ZoneTexte 8">
                 <a:extLst>
                   <a:ext uri="{FF2B5EF4-FFF2-40B4-BE49-F238E27FC236}">
-                    <a16:creationId xmlns:a16="http://schemas.microsoft.com/office/drawing/2014/main" xmlns="" id="{D04D4097-7756-4C48-A92F-14540B3CA8AE}"/>
+                    <a16:creationId xmlns="" xmlns:a16="http://schemas.microsoft.com/office/drawing/2014/main" id="{D04D4097-7756-4C48-A92F-14540B3CA8AE}"/>
                   </a:ext>
                 </a:extLst>
               </p:cNvPr>
@@ -19303,7 +19303,7 @@
               <a:p>
                 <a:pPr algn="r"/>
                 <a14:m>
-                  <m:oMathPara xmlns:m="http://schemas.openxmlformats.org/officeDocument/2006/math" xmlns="">
+                  <m:oMathPara xmlns="" xmlns:m="http://schemas.openxmlformats.org/officeDocument/2006/math">
                     <m:oMathParaPr>
                       <m:jc m:val="right"/>
                     </m:oMathParaPr>
@@ -19380,7 +19380,7 @@
                   <a:t>Concentration </a:t>
                 </a:r>
                 <a14:m>
-                  <m:oMath xmlns:m="http://schemas.openxmlformats.org/officeDocument/2006/math" xmlns="">
+                  <m:oMath xmlns="" xmlns:m="http://schemas.openxmlformats.org/officeDocument/2006/math">
                     <m:sSub>
                       <m:sSubPr>
                         <m:ctrlPr>
@@ -19477,7 +19477,7 @@
               <p:cNvPr id="29" name="ZoneTexte 28">
                 <a:extLst>
                   <a:ext uri="{FF2B5EF4-FFF2-40B4-BE49-F238E27FC236}">
-                    <a16:creationId xmlns:a16="http://schemas.microsoft.com/office/drawing/2014/main" xmlns="" id="{57302643-CA9F-4A45-A6A5-423616B048E8}"/>
+                    <a16:creationId xmlns="" xmlns:a16="http://schemas.microsoft.com/office/drawing/2014/main" id="{57302643-CA9F-4A45-A6A5-423616B048E8}"/>
                   </a:ext>
                 </a:extLst>
               </p:cNvPr>
@@ -19504,7 +19504,7 @@
               <a:p>
                 <a:pPr algn="r"/>
                 <a14:m>
-                  <m:oMathPara xmlns:m="http://schemas.openxmlformats.org/officeDocument/2006/math" xmlns="">
+                  <m:oMathPara xmlns="" xmlns:m="http://schemas.openxmlformats.org/officeDocument/2006/math">
                     <m:oMathParaPr>
                       <m:jc m:val="right"/>
                     </m:oMathParaPr>
@@ -19557,7 +19557,7 @@
               <a:p>
                 <a:pPr algn="r"/>
                 <a14:m>
-                  <m:oMathPara xmlns:m="http://schemas.openxmlformats.org/officeDocument/2006/math" xmlns="">
+                  <m:oMathPara xmlns="" xmlns:m="http://schemas.openxmlformats.org/officeDocument/2006/math">
                     <m:oMathParaPr>
                       <m:jc m:val="right"/>
                     </m:oMathParaPr>
@@ -19591,7 +19591,7 @@
               <a:p>
                 <a:pPr algn="r"/>
                 <a14:m>
-                  <m:oMathPara xmlns:m="http://schemas.openxmlformats.org/officeDocument/2006/math" xmlns="">
+                  <m:oMathPara xmlns="" xmlns:m="http://schemas.openxmlformats.org/officeDocument/2006/math">
                     <m:oMathParaPr>
                       <m:jc m:val="right"/>
                     </m:oMathParaPr>
@@ -20147,7 +20147,7 @@
           <p:nvPr>
             <p:extLst>
               <p:ext uri="{D42A27DB-BD31-4B8C-83A1-F6EECF244321}">
-                <p14:modId xmlns:p14="http://schemas.microsoft.com/office/powerpoint/2010/main" val="196312755"/>
+                <p14:modId xmlns:p14="http://schemas.microsoft.com/office/powerpoint/2010/main" val="1299194211"/>
               </p:ext>
             </p:extLst>
           </p:nvPr>
@@ -20160,12 +20160,12 @@
           <a:graphicData uri="http://schemas.openxmlformats.org/presentationml/2006/ole">
             <mc:AlternateContent xmlns:mc="http://schemas.openxmlformats.org/markup-compatibility/2006">
               <mc:Choice xmlns:v="urn:schemas-microsoft-com:vml" Requires="v">
-                <p:oleObj spid="_x0000_s13334" name="Document" r:id="rId9" imgW="5753100" imgH="901700" progId="Word.Document.12">
+                <p:oleObj spid="_x0000_s13338" name="Document" r:id="rId8" imgW="5753100" imgH="901700" progId="Word.Document.12">
                   <p:embed/>
                 </p:oleObj>
               </mc:Choice>
               <mc:Fallback>
-                <p:oleObj name="Document" r:id="rId9" imgW="5753100" imgH="901700" progId="Word.Document.12">
+                <p:oleObj name="Document" r:id="rId8" imgW="5753100" imgH="901700" progId="Word.Document.12">
                   <p:embed/>
                   <p:pic>
                     <p:nvPicPr>
@@ -20174,7 +20174,7 @@
                       <p:nvPr/>
                     </p:nvPicPr>
                     <p:blipFill>
-                      <a:blip r:embed="rId10"/>
+                      <a:blip r:embed="rId9"/>
                       <a:stretch>
                         <a:fillRect/>
                       </a:stretch>
@@ -20315,12 +20315,12 @@
           <a:graphicData uri="http://schemas.openxmlformats.org/presentationml/2006/ole">
             <mc:AlternateContent xmlns:mc="http://schemas.openxmlformats.org/markup-compatibility/2006">
               <mc:Choice xmlns:v="urn:schemas-microsoft-com:vml" Requires="v">
-                <p:oleObj spid="_x0000_s13335" name="Document" r:id="rId12" imgW="5905500" imgH="889000" progId="Word.Document.12">
+                <p:oleObj spid="_x0000_s13339" name="Document" r:id="rId11" imgW="5905500" imgH="889000" progId="Word.Document.12">
                   <p:embed/>
                 </p:oleObj>
               </mc:Choice>
               <mc:Fallback>
-                <p:oleObj name="Document" r:id="rId12" imgW="5905500" imgH="889000" progId="Word.Document.12">
+                <p:oleObj name="Document" r:id="rId11" imgW="5905500" imgH="889000" progId="Word.Document.12">
                   <p:embed/>
                   <p:pic>
                     <p:nvPicPr>
@@ -20329,7 +20329,7 @@
                       <p:nvPr/>
                     </p:nvPicPr>
                     <p:blipFill>
-                      <a:blip r:embed="rId13"/>
+                      <a:blip r:embed="rId12"/>
                       <a:stretch>
                         <a:fillRect/>
                       </a:stretch>
@@ -20359,25 +20359,25 @@
           <p:nvPr>
             <p:extLst>
               <p:ext uri="{D42A27DB-BD31-4B8C-83A1-F6EECF244321}">
-                <p14:modId xmlns:p14="http://schemas.microsoft.com/office/powerpoint/2010/main" val="2241067008"/>
+                <p14:modId xmlns:p14="http://schemas.microsoft.com/office/powerpoint/2010/main" val="2605009345"/>
               </p:ext>
             </p:extLst>
           </p:nvPr>
         </p:nvGraphicFramePr>
         <p:xfrm>
-          <a:off x="179609" y="3299955"/>
-          <a:ext cx="3720463" cy="919850"/>
+          <a:off x="179388" y="3513138"/>
+          <a:ext cx="3721100" cy="492125"/>
         </p:xfrm>
         <a:graphic>
           <a:graphicData uri="http://schemas.openxmlformats.org/presentationml/2006/ole">
             <mc:AlternateContent xmlns:mc="http://schemas.openxmlformats.org/markup-compatibility/2006">
               <mc:Choice xmlns:v="urn:schemas-microsoft-com:vml" Requires="v">
-                <p:oleObj spid="_x0000_s13336" name="Document" r:id="rId15" imgW="5753100" imgH="1422400" progId="Word.Document.12">
+                <p:oleObj spid="_x0000_s13340" name="Document" r:id="rId13" imgW="5753100" imgH="762000" progId="Word.Document.12">
                   <p:embed/>
                 </p:oleObj>
               </mc:Choice>
               <mc:Fallback>
-                <p:oleObj name="Document" r:id="rId15" imgW="5753100" imgH="1422400" progId="Word.Document.12">
+                <p:oleObj name="Document" r:id="rId13" imgW="5753100" imgH="762000" progId="Word.Document.12">
                   <p:embed/>
                   <p:pic>
                     <p:nvPicPr>
@@ -20386,15 +20386,15 @@
                       <p:nvPr/>
                     </p:nvPicPr>
                     <p:blipFill>
-                      <a:blip r:embed="rId16"/>
+                      <a:blip r:embed="rId14"/>
                       <a:stretch>
                         <a:fillRect/>
                       </a:stretch>
                     </p:blipFill>
                     <p:spPr>
                       <a:xfrm>
-                        <a:off x="179609" y="3299955"/>
-                        <a:ext cx="3720463" cy="919850"/>
+                        <a:off x="179388" y="3513138"/>
+                        <a:ext cx="3721100" cy="492125"/>
                       </a:xfrm>
                       <a:prstGeom prst="rect">
                         <a:avLst/>
